--- a/Simon_Chervenak_Thesis_Poster.pptx
+++ b/Simon_Chervenak_Thesis_Poster.pptx
@@ -4527,12 +4527,9 @@
                 <a:spcPct val="0"/>
               </a:spcAft>
             </a:pPr>
-            <a:r>
-              <a:rPr lang="en-US" altLang="en-US" sz="3601" dirty="0">
-                <a:latin typeface="Georgia" panose="02040502050405020303" pitchFamily="18" charset="0"/>
-              </a:rPr>
-              <a:t>Why Italian?</a:t>
-            </a:r>
+            <a:endParaRPr lang="en-US" altLang="en-US" sz="3601" dirty="0">
+              <a:latin typeface="Georgia" panose="02040502050405020303" pitchFamily="18" charset="0"/>
+            </a:endParaRPr>
           </a:p>
           <a:p>
             <a:pPr defTabSz="914468" eaLnBrk="0" fontAlgn="base" hangingPunct="0">
@@ -4560,88 +4557,8 @@
               <a:rPr lang="en-US" altLang="en-US" sz="3601" dirty="0">
                 <a:latin typeface="Georgia" panose="02040502050405020303" pitchFamily="18" charset="0"/>
               </a:rPr>
-              <a:t>	{ graph }</a:t>
-            </a:r>
-          </a:p>
-          <a:p>
-            <a:pPr defTabSz="914468" eaLnBrk="0" fontAlgn="base" hangingPunct="0">
-              <a:spcBef>
-                <a:spcPct val="0"/>
-              </a:spcBef>
-              <a:spcAft>
-                <a:spcPct val="0"/>
-              </a:spcAft>
-            </a:pPr>
-            <a:endParaRPr lang="en-US" altLang="en-US" sz="3601" dirty="0">
-              <a:latin typeface="Georgia" panose="02040502050405020303" pitchFamily="18" charset="0"/>
-            </a:endParaRPr>
-          </a:p>
-          <a:p>
-            <a:pPr defTabSz="914468" eaLnBrk="0" fontAlgn="base" hangingPunct="0">
-              <a:spcBef>
-                <a:spcPct val="0"/>
-              </a:spcBef>
-              <a:spcAft>
-                <a:spcPct val="0"/>
-              </a:spcAft>
-            </a:pPr>
-            <a:r>
-              <a:rPr lang="en-US" altLang="en-US" sz="3601" dirty="0">
-                <a:latin typeface="Georgia" panose="02040502050405020303" pitchFamily="18" charset="0"/>
-              </a:rPr>
               <a:t>Dichotomy vs Continuum</a:t>
             </a:r>
-          </a:p>
-          <a:p>
-            <a:pPr defTabSz="914468" eaLnBrk="0" fontAlgn="base" hangingPunct="0">
-              <a:spcBef>
-                <a:spcPct val="0"/>
-              </a:spcBef>
-              <a:spcAft>
-                <a:spcPct val="0"/>
-              </a:spcAft>
-            </a:pPr>
-            <a:endParaRPr lang="en-US" altLang="en-US" sz="3601" dirty="0">
-              <a:solidFill>
-                <a:srgbClr val="FF0000"/>
-              </a:solidFill>
-              <a:latin typeface="Georgia" panose="02040502050405020303" pitchFamily="18" charset="0"/>
-            </a:endParaRPr>
-          </a:p>
-          <a:p>
-            <a:pPr defTabSz="914468" eaLnBrk="0" fontAlgn="base" hangingPunct="0">
-              <a:spcBef>
-                <a:spcPct val="0"/>
-              </a:spcBef>
-              <a:spcAft>
-                <a:spcPct val="0"/>
-              </a:spcAft>
-            </a:pPr>
-            <a:r>
-              <a:rPr lang="en-US" altLang="en-US" sz="3601" dirty="0">
-                <a:solidFill>
-                  <a:srgbClr val="FF0000"/>
-                </a:solidFill>
-                <a:latin typeface="Georgia" panose="02040502050405020303" pitchFamily="18" charset="0"/>
-              </a:rPr>
-              <a:t>	{ include graph }</a:t>
-            </a:r>
-          </a:p>
-          <a:p>
-            <a:pPr defTabSz="914468" eaLnBrk="0" fontAlgn="base" hangingPunct="0">
-              <a:spcBef>
-                <a:spcPct val="0"/>
-              </a:spcBef>
-              <a:spcAft>
-                <a:spcPct val="0"/>
-              </a:spcAft>
-            </a:pPr>
-            <a:endParaRPr lang="en-US" altLang="en-US" sz="3601" dirty="0">
-              <a:solidFill>
-                <a:srgbClr val="000000"/>
-              </a:solidFill>
-              <a:latin typeface="Georgia" panose="02040502050405020303" pitchFamily="18" charset="0"/>
-            </a:endParaRPr>
           </a:p>
         </p:txBody>
       </p:sp>
@@ -4884,65 +4801,116 @@
               <a:t>Lesioning</a:t>
             </a:r>
           </a:p>
-          <a:p>
-            <a:pPr defTabSz="914468" eaLnBrk="0" fontAlgn="base" hangingPunct="0">
-              <a:spcBef>
-                <a:spcPct val="0"/>
-              </a:spcBef>
-              <a:spcAft>
-                <a:spcPct val="0"/>
-              </a:spcAft>
-            </a:pPr>
-            <a:r>
-              <a:rPr lang="en-US" altLang="en-US" sz="3601" dirty="0">
-                <a:solidFill>
-                  <a:srgbClr val="000000"/>
-                </a:solidFill>
-                <a:latin typeface="Georgia" panose="02040502050405020303" pitchFamily="18" charset="0"/>
-              </a:rPr>
-              <a:t>Set random weights to 0</a:t>
-            </a:r>
-          </a:p>
-          <a:p>
-            <a:pPr defTabSz="914468" eaLnBrk="0" fontAlgn="base" hangingPunct="0">
-              <a:spcBef>
-                <a:spcPct val="0"/>
-              </a:spcBef>
-              <a:spcAft>
-                <a:spcPct val="0"/>
-              </a:spcAft>
-            </a:pPr>
-            <a:endParaRPr lang="en-US" altLang="en-US" sz="3601" dirty="0">
-              <a:solidFill>
-                <a:srgbClr val="000000"/>
-              </a:solidFill>
-              <a:latin typeface="Georgia" panose="02040502050405020303" pitchFamily="18" charset="0"/>
-            </a:endParaRPr>
-          </a:p>
-          <a:p>
-            <a:pPr defTabSz="914468" eaLnBrk="0" fontAlgn="base" hangingPunct="0">
-              <a:spcBef>
-                <a:spcPct val="0"/>
-              </a:spcBef>
-              <a:spcAft>
-                <a:spcPct val="0"/>
-              </a:spcAft>
-            </a:pPr>
-            <a:r>
-              <a:rPr lang="en-US" altLang="en-US" sz="3601" dirty="0">
-                <a:solidFill>
-                  <a:srgbClr val="000000"/>
-                </a:solidFill>
-                <a:latin typeface="Georgia" panose="02040502050405020303" pitchFamily="18" charset="0"/>
-              </a:rPr>
-              <a:t>Image: fully connected, partially, mostly gone</a:t>
-            </a:r>
-            <a:endParaRPr lang="en-US" altLang="en-US" dirty="0">
-              <a:latin typeface="Arial" panose="020B0604020202020204" pitchFamily="34" charset="0"/>
-            </a:endParaRPr>
-          </a:p>
-        </p:txBody>
-      </p:sp>
+        </p:txBody>
+      </p:sp>
+      <p:pic>
+        <p:nvPicPr>
+          <p:cNvPr id="3" name="Picture 2">
+            <a:extLst>
+              <a:ext uri="{FF2B5EF4-FFF2-40B4-BE49-F238E27FC236}">
+                <a16:creationId xmlns:a16="http://schemas.microsoft.com/office/drawing/2014/main" id="{B338870A-0F5D-4B42-84FB-C0BBA57B9F00}"/>
+              </a:ext>
+            </a:extLst>
+          </p:cNvPr>
+          <p:cNvPicPr>
+            <a:picLocks noChangeAspect="1"/>
+          </p:cNvPicPr>
+          <p:nvPr/>
+        </p:nvPicPr>
+        <p:blipFill>
+          <a:blip r:embed="rId4">
+            <a:extLst>
+              <a:ext uri="{28A0092B-C50C-407E-A947-70E740481C1C}">
+                <a14:useLocalDpi xmlns:a14="http://schemas.microsoft.com/office/drawing/2010/main" val="0"/>
+              </a:ext>
+            </a:extLst>
+          </a:blip>
+          <a:stretch>
+            <a:fillRect/>
+          </a:stretch>
+        </p:blipFill>
+        <p:spPr>
+          <a:xfrm>
+            <a:off x="12424385" y="15913824"/>
+            <a:ext cx="13137252" cy="5894582"/>
+          </a:xfrm>
+          <a:prstGeom prst="rect">
+            <a:avLst/>
+          </a:prstGeom>
+        </p:spPr>
+      </p:pic>
+      <p:pic>
+        <p:nvPicPr>
+          <p:cNvPr id="5" name="Picture 4">
+            <a:extLst>
+              <a:ext uri="{FF2B5EF4-FFF2-40B4-BE49-F238E27FC236}">
+                <a16:creationId xmlns:a16="http://schemas.microsoft.com/office/drawing/2014/main" id="{D73B8AAD-5D25-ED40-91E7-9B3B1CBDE911}"/>
+              </a:ext>
+            </a:extLst>
+          </p:cNvPr>
+          <p:cNvPicPr>
+            <a:picLocks noChangeAspect="1"/>
+          </p:cNvPicPr>
+          <p:nvPr/>
+        </p:nvPicPr>
+        <p:blipFill>
+          <a:blip r:embed="rId5">
+            <a:extLst>
+              <a:ext uri="{28A0092B-C50C-407E-A947-70E740481C1C}">
+                <a14:useLocalDpi xmlns:a14="http://schemas.microsoft.com/office/drawing/2010/main" val="0"/>
+              </a:ext>
+            </a:extLst>
+          </a:blip>
+          <a:stretch>
+            <a:fillRect/>
+          </a:stretch>
+        </p:blipFill>
+        <p:spPr>
+          <a:xfrm>
+            <a:off x="1544350" y="21535362"/>
+            <a:ext cx="8623300" cy="5892800"/>
+          </a:xfrm>
+          <a:prstGeom prst="rect">
+            <a:avLst/>
+          </a:prstGeom>
+        </p:spPr>
+      </p:pic>
+      <p:pic>
+        <p:nvPicPr>
+          <p:cNvPr id="7" name="Picture 6">
+            <a:extLst>
+              <a:ext uri="{FF2B5EF4-FFF2-40B4-BE49-F238E27FC236}">
+                <a16:creationId xmlns:a16="http://schemas.microsoft.com/office/drawing/2014/main" id="{1403C721-5FD1-324B-9B9A-4259EEEF2EF1}"/>
+              </a:ext>
+            </a:extLst>
+          </p:cNvPr>
+          <p:cNvPicPr>
+            <a:picLocks noChangeAspect="1"/>
+          </p:cNvPicPr>
+          <p:nvPr/>
+        </p:nvPicPr>
+        <p:blipFill>
+          <a:blip r:embed="rId6">
+            <a:extLst>
+              <a:ext uri="{28A0092B-C50C-407E-A947-70E740481C1C}">
+                <a14:useLocalDpi xmlns:a14="http://schemas.microsoft.com/office/drawing/2010/main" val="0"/>
+              </a:ext>
+            </a:extLst>
+          </a:blip>
+          <a:stretch>
+            <a:fillRect/>
+          </a:stretch>
+        </p:blipFill>
+        <p:spPr>
+          <a:xfrm>
+            <a:off x="1976666" y="16157650"/>
+            <a:ext cx="7758667" cy="5362608"/>
+          </a:xfrm>
+          <a:prstGeom prst="rect">
+            <a:avLst/>
+          </a:prstGeom>
+        </p:spPr>
+      </p:pic>
     </p:spTree>
     <p:extLst>
       <p:ext uri="{BB962C8B-B14F-4D97-AF65-F5344CB8AC3E}">

--- a/Simon_Chervenak_Thesis_Poster.pptx
+++ b/Simon_Chervenak_Thesis_Poster.pptx
@@ -6,6 +6,7 @@
   </p:sldMasterIdLst>
   <p:sldIdLst>
     <p:sldId id="256" r:id="rId2"/>
+    <p:sldId id="257" r:id="rId3"/>
   </p:sldIdLst>
   <p:sldSz cx="43891200" cy="32918400"/>
   <p:notesSz cx="6858000" cy="9144000"/>
@@ -243,7 +244,7 @@
           <a:p>
             <a:fld id="{4C5089E3-6C11-478A-A1F9-02A180BDA2A4}" type="datetimeFigureOut">
               <a:rPr lang="en-US" smtClean="0"/>
-              <a:t>11/28/23</a:t>
+              <a:t>12/5/23</a:t>
             </a:fld>
             <a:endParaRPr lang="en-US"/>
           </a:p>
@@ -413,7 +414,7 @@
           <a:p>
             <a:fld id="{4C5089E3-6C11-478A-A1F9-02A180BDA2A4}" type="datetimeFigureOut">
               <a:rPr lang="en-US" smtClean="0"/>
-              <a:t>11/28/23</a:t>
+              <a:t>12/5/23</a:t>
             </a:fld>
             <a:endParaRPr lang="en-US"/>
           </a:p>
@@ -593,7 +594,7 @@
           <a:p>
             <a:fld id="{4C5089E3-6C11-478A-A1F9-02A180BDA2A4}" type="datetimeFigureOut">
               <a:rPr lang="en-US" smtClean="0"/>
-              <a:t>11/28/23</a:t>
+              <a:t>12/5/23</a:t>
             </a:fld>
             <a:endParaRPr lang="en-US"/>
           </a:p>
@@ -763,7 +764,7 @@
           <a:p>
             <a:fld id="{4C5089E3-6C11-478A-A1F9-02A180BDA2A4}" type="datetimeFigureOut">
               <a:rPr lang="en-US" smtClean="0"/>
-              <a:t>11/28/23</a:t>
+              <a:t>12/5/23</a:t>
             </a:fld>
             <a:endParaRPr lang="en-US"/>
           </a:p>
@@ -1007,7 +1008,7 @@
           <a:p>
             <a:fld id="{4C5089E3-6C11-478A-A1F9-02A180BDA2A4}" type="datetimeFigureOut">
               <a:rPr lang="en-US" smtClean="0"/>
-              <a:t>11/28/23</a:t>
+              <a:t>12/5/23</a:t>
             </a:fld>
             <a:endParaRPr lang="en-US"/>
           </a:p>
@@ -1239,7 +1240,7 @@
           <a:p>
             <a:fld id="{4C5089E3-6C11-478A-A1F9-02A180BDA2A4}" type="datetimeFigureOut">
               <a:rPr lang="en-US" smtClean="0"/>
-              <a:t>11/28/23</a:t>
+              <a:t>12/5/23</a:t>
             </a:fld>
             <a:endParaRPr lang="en-US"/>
           </a:p>
@@ -1606,7 +1607,7 @@
           <a:p>
             <a:fld id="{4C5089E3-6C11-478A-A1F9-02A180BDA2A4}" type="datetimeFigureOut">
               <a:rPr lang="en-US" smtClean="0"/>
-              <a:t>11/28/23</a:t>
+              <a:t>12/5/23</a:t>
             </a:fld>
             <a:endParaRPr lang="en-US"/>
           </a:p>
@@ -1724,7 +1725,7 @@
           <a:p>
             <a:fld id="{4C5089E3-6C11-478A-A1F9-02A180BDA2A4}" type="datetimeFigureOut">
               <a:rPr lang="en-US" smtClean="0"/>
-              <a:t>11/28/23</a:t>
+              <a:t>12/5/23</a:t>
             </a:fld>
             <a:endParaRPr lang="en-US"/>
           </a:p>
@@ -1819,7 +1820,7 @@
           <a:p>
             <a:fld id="{4C5089E3-6C11-478A-A1F9-02A180BDA2A4}" type="datetimeFigureOut">
               <a:rPr lang="en-US" smtClean="0"/>
-              <a:t>11/28/23</a:t>
+              <a:t>12/5/23</a:t>
             </a:fld>
             <a:endParaRPr lang="en-US"/>
           </a:p>
@@ -2096,7 +2097,7 @@
           <a:p>
             <a:fld id="{4C5089E3-6C11-478A-A1F9-02A180BDA2A4}" type="datetimeFigureOut">
               <a:rPr lang="en-US" smtClean="0"/>
-              <a:t>11/28/23</a:t>
+              <a:t>12/5/23</a:t>
             </a:fld>
             <a:endParaRPr lang="en-US"/>
           </a:p>
@@ -2353,7 +2354,7 @@
           <a:p>
             <a:fld id="{4C5089E3-6C11-478A-A1F9-02A180BDA2A4}" type="datetimeFigureOut">
               <a:rPr lang="en-US" smtClean="0"/>
-              <a:t>11/28/23</a:t>
+              <a:t>12/5/23</a:t>
             </a:fld>
             <a:endParaRPr lang="en-US"/>
           </a:p>
@@ -2566,7 +2567,7 @@
           <a:p>
             <a:fld id="{4C5089E3-6C11-478A-A1F9-02A180BDA2A4}" type="datetimeFigureOut">
               <a:rPr lang="en-US" smtClean="0"/>
-              <a:t>11/28/23</a:t>
+              <a:t>12/5/23</a:t>
             </a:fld>
             <a:endParaRPr lang="en-US"/>
           </a:p>
@@ -3047,8 +3048,8 @@
         </p:nvSpPr>
         <p:spPr bwMode="auto">
           <a:xfrm>
-            <a:off x="5750195" y="547760"/>
-            <a:ext cx="37531961" cy="5094288"/>
+            <a:off x="5750195" y="1134882"/>
+            <a:ext cx="37531961" cy="4507166"/>
           </a:xfrm>
           <a:prstGeom prst="rect">
             <a:avLst/>
@@ -3105,7 +3106,7 @@
                 </a:solidFill>
                 <a:latin typeface="Franklin Gothic Medium" panose="020B0603020102020204" pitchFamily="34" charset="0"/>
               </a:rPr>
-              <a:t>Revisiting the Divide: Modeling the inflectional/derivational dissociation in agrammatic aphasia with a RNN</a:t>
+              <a:t>Modeling the inflectional/derivational dissociation in agrammatic aphasia with a RNN</a:t>
             </a:r>
           </a:p>
           <a:p>
@@ -3267,10 +3268,10 @@
       </p:sp>
       <p:sp>
         <p:nvSpPr>
-          <p:cNvPr id="1242" name="AutoShape 296">
+          <p:cNvPr id="1247" name="AutoShape 300">
             <a:extLst>
               <a:ext uri="{FF2B5EF4-FFF2-40B4-BE49-F238E27FC236}">
-                <a16:creationId xmlns:a16="http://schemas.microsoft.com/office/drawing/2014/main" id="{E75066A1-BDC4-41AB-A048-9D15C33CF01A}"/>
+                <a16:creationId xmlns:a16="http://schemas.microsoft.com/office/drawing/2014/main" id="{7425B3B3-5060-E7ED-3A6E-3C0D736C106E}"/>
               </a:ext>
             </a:extLst>
           </p:cNvPr>
@@ -3281,189 +3282,14 @@
         </p:nvSpPr>
         <p:spPr bwMode="auto">
           <a:xfrm>
-            <a:off x="872837" y="5609505"/>
-            <a:ext cx="10972800" cy="5486400"/>
+            <a:off x="5019387" y="26920460"/>
+            <a:ext cx="6816805" cy="5450180"/>
           </a:xfrm>
-          <a:prstGeom prst="rect">
+          <a:prstGeom prst="flowChartAlternateProcess">
             <a:avLst/>
           </a:prstGeom>
           <a:solidFill>
-            <a:srgbClr val="D7E3DB"/>
-          </a:solidFill>
-          <a:ln w="31750" algn="ctr">
-            <a:solidFill>
-              <a:srgbClr val="85AA93"/>
-            </a:solidFill>
-            <a:miter lim="800000"/>
-            <a:headEnd/>
-            <a:tailEnd/>
-          </a:ln>
-          <a:effectLst/>
-          <a:extLst>
-            <a:ext uri="{AF507438-7753-43E0-B8FC-AC1667EBCBE1}">
-              <a14:hiddenEffects xmlns:a14="http://schemas.microsoft.com/office/drawing/2010/main">
-                <a:effectLst>
-                  <a:outerShdw sx="0" sy="0" algn="ctr" rotWithShape="0">
-                    <a:srgbClr val="000000">
-                      <a:alpha val="0"/>
-                    </a:srgbClr>
-                  </a:outerShdw>
-                </a:effectLst>
-              </a14:hiddenEffects>
-            </a:ext>
-          </a:extLst>
-        </p:spPr>
-        <p:txBody>
-          <a:bodyPr vert="horz" wrap="square" lIns="457200" tIns="457200" rIns="457200" bIns="457200" numCol="1" anchor="t" anchorCtr="0" compatLnSpc="1">
-            <a:prstTxWarp prst="textNoShape">
-              <a:avLst/>
-            </a:prstTxWarp>
-          </a:bodyPr>
-          <a:lstStyle/>
-          <a:p>
-            <a:pPr defTabSz="914468" eaLnBrk="0" fontAlgn="base" hangingPunct="0">
-              <a:spcBef>
-                <a:spcPct val="0"/>
-              </a:spcBef>
-              <a:spcAft>
-                <a:spcPts val="2500"/>
-              </a:spcAft>
-            </a:pPr>
-            <a:r>
-              <a:rPr lang="en-US" altLang="en-US" sz="4800" dirty="0">
-                <a:solidFill>
-                  <a:srgbClr val="5C2451"/>
-                </a:solidFill>
-                <a:latin typeface="Franklin Gothic Medium" panose="020B0603020102020204" pitchFamily="34" charset="0"/>
-              </a:rPr>
-              <a:t>Are different morphemes handled differently in the brain?</a:t>
-            </a:r>
-          </a:p>
-          <a:p>
-            <a:pPr defTabSz="914468" eaLnBrk="0" fontAlgn="base" hangingPunct="0">
-              <a:spcBef>
-                <a:spcPct val="0"/>
-              </a:spcBef>
-              <a:spcAft>
-                <a:spcPts val="2500"/>
-              </a:spcAft>
-            </a:pPr>
-            <a:r>
-              <a:rPr lang="en-US" altLang="en-US" sz="3601" dirty="0">
-                <a:solidFill>
-                  <a:srgbClr val="000000"/>
-                </a:solidFill>
-                <a:latin typeface="Georgia" panose="02040502050405020303" pitchFamily="18" charset="0"/>
-              </a:rPr>
-              <a:t>To investigate this question, we created a model, lesioned it, and compared the results to the single- and dual-route accounts.</a:t>
-            </a:r>
-            <a:endParaRPr lang="en-US" altLang="en-US" dirty="0">
-              <a:latin typeface="Arial" panose="020B0604020202020204" pitchFamily="34" charset="0"/>
-            </a:endParaRPr>
-          </a:p>
-        </p:txBody>
-      </p:sp>
-      <p:sp>
-        <p:nvSpPr>
-          <p:cNvPr id="1244" name="AutoShape 298">
-            <a:extLst>
-              <a:ext uri="{FF2B5EF4-FFF2-40B4-BE49-F238E27FC236}">
-                <a16:creationId xmlns:a16="http://schemas.microsoft.com/office/drawing/2014/main" id="{15A45004-A650-453E-BEA0-37510CF12DFB}"/>
-              </a:ext>
-            </a:extLst>
-          </p:cNvPr>
-          <p:cNvSpPr>
-            <a:spLocks noChangeArrowheads="1"/>
-          </p:cNvSpPr>
-          <p:nvPr/>
-        </p:nvSpPr>
-        <p:spPr bwMode="auto">
-          <a:xfrm>
-            <a:off x="12760037" y="24354706"/>
-            <a:ext cx="12801600" cy="3200399"/>
-          </a:xfrm>
-          <a:prstGeom prst="rect">
-            <a:avLst/>
-          </a:prstGeom>
-          <a:solidFill>
-            <a:srgbClr val="D7E3DB"/>
-          </a:solidFill>
-          <a:ln w="31750" algn="ctr">
-            <a:solidFill>
-              <a:srgbClr val="85AA93"/>
-            </a:solidFill>
-            <a:miter lim="800000"/>
-            <a:headEnd/>
-            <a:tailEnd/>
-          </a:ln>
-          <a:effectLst/>
-          <a:extLst>
-            <a:ext uri="{AF507438-7753-43E0-B8FC-AC1667EBCBE1}">
-              <a14:hiddenEffects xmlns:a14="http://schemas.microsoft.com/office/drawing/2010/main">
-                <a:effectLst>
-                  <a:outerShdw dist="35921" dir="2700000" algn="ctr" rotWithShape="0">
-                    <a:srgbClr val="868686"/>
-                  </a:outerShdw>
-                </a:effectLst>
-              </a14:hiddenEffects>
-            </a:ext>
-          </a:extLst>
-        </p:spPr>
-        <p:txBody>
-          <a:bodyPr vert="horz" wrap="square" lIns="457200" tIns="457200" rIns="457200" bIns="457200" numCol="1" anchor="t" anchorCtr="0" compatLnSpc="1">
-            <a:prstTxWarp prst="textNoShape">
-              <a:avLst/>
-            </a:prstTxWarp>
-          </a:bodyPr>
-          <a:lstStyle/>
-          <a:p>
-            <a:pPr algn="ctr" defTabSz="914468" eaLnBrk="0" fontAlgn="base" hangingPunct="0">
-              <a:spcBef>
-                <a:spcPct val="0"/>
-              </a:spcBef>
-              <a:spcAft>
-                <a:spcPct val="0"/>
-              </a:spcAft>
-            </a:pPr>
-            <a:r>
-              <a:rPr lang="en-US" altLang="en-US" sz="4001" dirty="0">
-                <a:solidFill>
-                  <a:srgbClr val="5C2451"/>
-                </a:solidFill>
-                <a:latin typeface="Georgia" panose="02040502050405020303" pitchFamily="18" charset="0"/>
-              </a:rPr>
-              <a:t>Can lesioning a single-route model effectively capture the data we see in non-fluent aphasia patients?</a:t>
-            </a:r>
-            <a:endParaRPr lang="en-US" altLang="en-US" dirty="0">
-              <a:latin typeface="Arial" panose="020B0604020202020204" pitchFamily="34" charset="0"/>
-            </a:endParaRPr>
-          </a:p>
-        </p:txBody>
-      </p:sp>
-      <p:sp>
-        <p:nvSpPr>
-          <p:cNvPr id="1246" name="Text Box 299">
-            <a:extLst>
-              <a:ext uri="{FF2B5EF4-FFF2-40B4-BE49-F238E27FC236}">
-                <a16:creationId xmlns:a16="http://schemas.microsoft.com/office/drawing/2014/main" id="{CE2CA54C-FD28-FC0F-38D5-DB559C38619A}"/>
-              </a:ext>
-            </a:extLst>
-          </p:cNvPr>
-          <p:cNvSpPr txBox="1">
-            <a:spLocks noChangeArrowheads="1"/>
-          </p:cNvSpPr>
-          <p:nvPr/>
-        </p:nvSpPr>
-        <p:spPr bwMode="auto">
-          <a:xfrm>
-            <a:off x="27129293" y="5544983"/>
-            <a:ext cx="15584269" cy="16719663"/>
-          </a:xfrm>
-          <a:prstGeom prst="rect">
-            <a:avLst/>
-          </a:prstGeom>
-          <a:solidFill>
-            <a:srgbClr val="FFFFFF"/>
+            <a:srgbClr val="F3F3F3"/>
           </a:solidFill>
           <a:ln>
             <a:noFill/>
@@ -3508,13 +3334,31 @@
               </a:spcAft>
             </a:pPr>
             <a:r>
-              <a:rPr lang="en-US" altLang="en-US" sz="4800" dirty="0">
+              <a:rPr lang="en-US" altLang="en-US" sz="2201" i="1" dirty="0">
                 <a:solidFill>
                   <a:srgbClr val="7A306C"/>
                 </a:solidFill>
-                <a:latin typeface="Franklin Gothic Medium" panose="020B0603020102020204" pitchFamily="34" charset="0"/>
-              </a:rPr>
-              <a:t>Results</a:t>
+                <a:latin typeface="Georgia" panose="02040502050405020303" pitchFamily="18" charset="0"/>
+              </a:rPr>
+              <a:t>References: [1] Miceli, G., &amp; </a:t>
+            </a:r>
+            <a:r>
+              <a:rPr lang="en-US" altLang="en-US" sz="2201" i="1" dirty="0" err="1">
+                <a:solidFill>
+                  <a:srgbClr val="7A306C"/>
+                </a:solidFill>
+                <a:latin typeface="Georgia" panose="02040502050405020303" pitchFamily="18" charset="0"/>
+              </a:rPr>
+              <a:t>Caramazza</a:t>
+            </a:r>
+            <a:r>
+              <a:rPr lang="en-US" altLang="en-US" sz="2201" i="1" dirty="0">
+                <a:solidFill>
+                  <a:srgbClr val="7A306C"/>
+                </a:solidFill>
+                <a:latin typeface="Georgia" panose="02040502050405020303" pitchFamily="18" charset="0"/>
+              </a:rPr>
+              <a:t>, A. (1988). Dissociation of Inflectional and Derivational Morphology. Brain and Language, 35, 24–65.</a:t>
             </a:r>
           </a:p>
           <a:p>
@@ -3526,190 +3370,18 @@
                 <a:spcPct val="0"/>
               </a:spcAft>
             </a:pPr>
-            <a:endParaRPr lang="en-US" altLang="en-US" sz="4800" dirty="0">
-              <a:solidFill>
-                <a:srgbClr val="7A306C"/>
-              </a:solidFill>
-              <a:latin typeface="Franklin Gothic Medium" panose="020B0603020102020204" pitchFamily="34" charset="0"/>
+            <a:endParaRPr lang="en-US" altLang="en-US" dirty="0">
+              <a:latin typeface="Arial" panose="020B0604020202020204" pitchFamily="34" charset="0"/>
             </a:endParaRPr>
           </a:p>
-          <a:p>
-            <a:pPr defTabSz="914468" eaLnBrk="0" fontAlgn="base" hangingPunct="0">
-              <a:spcBef>
-                <a:spcPct val="0"/>
-              </a:spcBef>
-              <a:spcAft>
-                <a:spcPct val="0"/>
-              </a:spcAft>
-            </a:pPr>
-            <a:r>
-              <a:rPr lang="en-US" altLang="en-US" sz="4800" dirty="0">
-                <a:solidFill>
-                  <a:srgbClr val="7A306C"/>
-                </a:solidFill>
-                <a:latin typeface="Franklin Gothic Medium" panose="020B0603020102020204" pitchFamily="34" charset="0"/>
-              </a:rPr>
-              <a:t>	{ model accuracy }</a:t>
-            </a:r>
-          </a:p>
-          <a:p>
-            <a:pPr defTabSz="914468" eaLnBrk="0" fontAlgn="base" hangingPunct="0">
-              <a:spcBef>
-                <a:spcPct val="0"/>
-              </a:spcBef>
-              <a:spcAft>
-                <a:spcPct val="0"/>
-              </a:spcAft>
-            </a:pPr>
-            <a:endParaRPr lang="en-US" altLang="en-US" sz="4800" dirty="0">
-              <a:solidFill>
-                <a:srgbClr val="7A306C"/>
-              </a:solidFill>
-              <a:latin typeface="Franklin Gothic Medium" panose="020B0603020102020204" pitchFamily="34" charset="0"/>
-            </a:endParaRPr>
-          </a:p>
-          <a:p>
-            <a:pPr defTabSz="914468" eaLnBrk="0" fontAlgn="base" hangingPunct="0">
-              <a:spcBef>
-                <a:spcPct val="0"/>
-              </a:spcBef>
-              <a:spcAft>
-                <a:spcPct val="0"/>
-              </a:spcAft>
-            </a:pPr>
-            <a:endParaRPr lang="en-US" altLang="en-US" sz="4800" dirty="0">
-              <a:solidFill>
-                <a:srgbClr val="7A306C"/>
-              </a:solidFill>
-              <a:latin typeface="Franklin Gothic Medium" panose="020B0603020102020204" pitchFamily="34" charset="0"/>
-            </a:endParaRPr>
-          </a:p>
-          <a:p>
-            <a:pPr defTabSz="914468" eaLnBrk="0" fontAlgn="base" hangingPunct="0">
-              <a:spcBef>
-                <a:spcPct val="0"/>
-              </a:spcBef>
-              <a:spcAft>
-                <a:spcPct val="0"/>
-              </a:spcAft>
-            </a:pPr>
-            <a:r>
-              <a:rPr lang="en-US" altLang="en-US" sz="4800" dirty="0">
-                <a:solidFill>
-                  <a:srgbClr val="7A306C"/>
-                </a:solidFill>
-                <a:latin typeface="Franklin Gothic Medium" panose="020B0603020102020204" pitchFamily="34" charset="0"/>
-              </a:rPr>
-              <a:t>	{ lesioning accuracy }</a:t>
-            </a:r>
-          </a:p>
-          <a:p>
-            <a:pPr defTabSz="914468" eaLnBrk="0" fontAlgn="base" hangingPunct="0">
-              <a:spcBef>
-                <a:spcPct val="0"/>
-              </a:spcBef>
-              <a:spcAft>
-                <a:spcPct val="0"/>
-              </a:spcAft>
-            </a:pPr>
-            <a:endParaRPr lang="en-US" altLang="en-US" sz="4800" dirty="0">
-              <a:solidFill>
-                <a:srgbClr val="7A306C"/>
-              </a:solidFill>
-              <a:latin typeface="Franklin Gothic Medium" panose="020B0603020102020204" pitchFamily="34" charset="0"/>
-            </a:endParaRPr>
-          </a:p>
-          <a:p>
-            <a:pPr defTabSz="914468" eaLnBrk="0" fontAlgn="base" hangingPunct="0">
-              <a:spcBef>
-                <a:spcPct val="0"/>
-              </a:spcBef>
-              <a:spcAft>
-                <a:spcPct val="0"/>
-              </a:spcAft>
-            </a:pPr>
-            <a:r>
-              <a:rPr lang="en-US" altLang="en-US" sz="4800" dirty="0">
-                <a:solidFill>
-                  <a:srgbClr val="7A306C"/>
-                </a:solidFill>
-                <a:latin typeface="Franklin Gothic Medium" panose="020B0603020102020204" pitchFamily="34" charset="0"/>
-              </a:rPr>
-              <a:t>		add dot for FS</a:t>
-            </a:r>
-          </a:p>
-          <a:p>
-            <a:pPr defTabSz="914468" eaLnBrk="0" fontAlgn="base" hangingPunct="0">
-              <a:spcBef>
-                <a:spcPct val="0"/>
-              </a:spcBef>
-              <a:spcAft>
-                <a:spcPct val="0"/>
-              </a:spcAft>
-            </a:pPr>
-            <a:endParaRPr lang="en-US" altLang="en-US" sz="4800" dirty="0">
-              <a:solidFill>
-                <a:srgbClr val="7A306C"/>
-              </a:solidFill>
-              <a:latin typeface="Franklin Gothic Medium" panose="020B0603020102020204" pitchFamily="34" charset="0"/>
-            </a:endParaRPr>
-          </a:p>
-          <a:p>
-            <a:pPr defTabSz="914468" eaLnBrk="0" fontAlgn="base" hangingPunct="0">
-              <a:spcBef>
-                <a:spcPct val="0"/>
-              </a:spcBef>
-              <a:spcAft>
-                <a:spcPct val="0"/>
-              </a:spcAft>
-            </a:pPr>
-            <a:endParaRPr lang="en-US" altLang="en-US" sz="4800" dirty="0">
-              <a:solidFill>
-                <a:srgbClr val="7A306C"/>
-              </a:solidFill>
-              <a:latin typeface="Franklin Gothic Medium" panose="020B0603020102020204" pitchFamily="34" charset="0"/>
-            </a:endParaRPr>
-          </a:p>
-          <a:p>
-            <a:pPr defTabSz="914468" eaLnBrk="0" fontAlgn="base" hangingPunct="0">
-              <a:spcBef>
-                <a:spcPct val="0"/>
-              </a:spcBef>
-              <a:spcAft>
-                <a:spcPct val="0"/>
-              </a:spcAft>
-            </a:pPr>
-            <a:endParaRPr lang="en-US" altLang="en-US" sz="4800" dirty="0">
-              <a:solidFill>
-                <a:srgbClr val="7A306C"/>
-              </a:solidFill>
-              <a:latin typeface="Franklin Gothic Medium" panose="020B0603020102020204" pitchFamily="34" charset="0"/>
-            </a:endParaRPr>
-          </a:p>
-          <a:p>
-            <a:pPr defTabSz="914468" eaLnBrk="0" fontAlgn="base" hangingPunct="0">
-              <a:spcBef>
-                <a:spcPct val="0"/>
-              </a:spcBef>
-              <a:spcAft>
-                <a:spcPct val="0"/>
-              </a:spcAft>
-            </a:pPr>
-            <a:endParaRPr lang="en-US" altLang="en-US" sz="4800" dirty="0">
-              <a:solidFill>
-                <a:srgbClr val="7A306C"/>
-              </a:solidFill>
-              <a:latin typeface="Franklin Gothic Medium" panose="020B0603020102020204" pitchFamily="34" charset="0"/>
-            </a:endParaRPr>
-          </a:p>
-        </p:txBody>
-      </p:sp>
-      <p:sp>
-        <p:nvSpPr>
-          <p:cNvPr id="1247" name="AutoShape 300">
+        </p:txBody>
+      </p:sp>
+      <p:sp>
+        <p:nvSpPr>
+          <p:cNvPr id="1248" name="AutoShape 301">
             <a:extLst>
               <a:ext uri="{FF2B5EF4-FFF2-40B4-BE49-F238E27FC236}">
-                <a16:creationId xmlns:a16="http://schemas.microsoft.com/office/drawing/2014/main" id="{7425B3B3-5060-E7ED-3A6E-3C0D736C106E}"/>
+                <a16:creationId xmlns:a16="http://schemas.microsoft.com/office/drawing/2014/main" id="{BB95F72A-1E39-7AE0-3F5B-624939676DBB}"/>
               </a:ext>
             </a:extLst>
           </p:cNvPr>
@@ -3720,14 +3392,119 @@
         </p:nvSpPr>
         <p:spPr bwMode="auto">
           <a:xfrm>
-            <a:off x="4987638" y="28012304"/>
-            <a:ext cx="20574000" cy="4114800"/>
+            <a:off x="28230548" y="25485399"/>
+            <a:ext cx="15245016" cy="6298120"/>
           </a:xfrm>
-          <a:prstGeom prst="flowChartAlternateProcess">
+          <a:prstGeom prst="rect">
+            <a:avLst/>
+          </a:prstGeom>
+          <a:ln>
+            <a:headEnd/>
+            <a:tailEnd/>
+          </a:ln>
+        </p:spPr>
+        <p:style>
+          <a:lnRef idx="2">
+            <a:schemeClr val="accent5"/>
+          </a:lnRef>
+          <a:fillRef idx="1">
+            <a:schemeClr val="lt1"/>
+          </a:fillRef>
+          <a:effectRef idx="0">
+            <a:schemeClr val="accent5"/>
+          </a:effectRef>
+          <a:fontRef idx="minor">
+            <a:schemeClr val="dk1"/>
+          </a:fontRef>
+        </p:style>
+        <p:txBody>
+          <a:bodyPr vert="horz" wrap="square" lIns="457200" tIns="457200" rIns="457200" bIns="457200" numCol="1" anchor="t" anchorCtr="0" compatLnSpc="1">
+            <a:prstTxWarp prst="textNoShape">
+              <a:avLst/>
+            </a:prstTxWarp>
+          </a:bodyPr>
+          <a:lstStyle/>
+          <a:p>
+            <a:pPr defTabSz="914468" eaLnBrk="0" fontAlgn="base" hangingPunct="0">
+              <a:spcBef>
+                <a:spcPct val="0"/>
+              </a:spcBef>
+              <a:spcAft>
+                <a:spcPct val="0"/>
+              </a:spcAft>
+            </a:pPr>
+            <a:r>
+              <a:rPr lang="en-US" altLang="en-US" sz="5400" dirty="0">
+                <a:solidFill>
+                  <a:srgbClr val="7A306C"/>
+                </a:solidFill>
+                <a:latin typeface="Franklin Gothic Medium" panose="020B0603020102020204" pitchFamily="34" charset="0"/>
+              </a:rPr>
+              <a:t>Future Work</a:t>
+            </a:r>
+          </a:p>
+          <a:p>
+            <a:pPr marL="685800" indent="-685800" defTabSz="914468" eaLnBrk="0" fontAlgn="base" hangingPunct="0">
+              <a:spcBef>
+                <a:spcPct val="0"/>
+              </a:spcBef>
+              <a:spcAft>
+                <a:spcPct val="0"/>
+              </a:spcAft>
+              <a:buFont typeface="Arial" panose="020B0604020202020204" pitchFamily="34" charset="0"/>
+              <a:buChar char="•"/>
+            </a:pPr>
+            <a:r>
+              <a:rPr lang="en-US" altLang="en-US" sz="4800" dirty="0">
+                <a:latin typeface="Franklin Gothic Medium" panose="020B0603020102020204" pitchFamily="34" charset="0"/>
+              </a:rPr>
+              <a:t>We will lesion the model and calculate the accuracy levels for inflectional and derivational morphemes based on a test set.</a:t>
+            </a:r>
+          </a:p>
+          <a:p>
+            <a:pPr marL="685800" indent="-685800" defTabSz="914468" eaLnBrk="0" fontAlgn="base" hangingPunct="0">
+              <a:spcBef>
+                <a:spcPct val="0"/>
+              </a:spcBef>
+              <a:spcAft>
+                <a:spcPct val="0"/>
+              </a:spcAft>
+              <a:buFont typeface="Arial" panose="020B0604020202020204" pitchFamily="34" charset="0"/>
+              <a:buChar char="•"/>
+            </a:pPr>
+            <a:r>
+              <a:rPr lang="en-US" altLang="en-US" sz="4800" dirty="0">
+                <a:latin typeface="Franklin Gothic Medium" panose="020B0603020102020204" pitchFamily="34" charset="0"/>
+              </a:rPr>
+              <a:t>If lesioning the single-route model can replicate the clinical data, we argue that there is no neural distinction between these classes of morphemes.</a:t>
+            </a:r>
+          </a:p>
+        </p:txBody>
+      </p:sp>
+      <p:sp>
+        <p:nvSpPr>
+          <p:cNvPr id="1249" name="Text Box 302">
+            <a:extLst>
+              <a:ext uri="{FF2B5EF4-FFF2-40B4-BE49-F238E27FC236}">
+                <a16:creationId xmlns:a16="http://schemas.microsoft.com/office/drawing/2014/main" id="{8375A457-DB52-2EE4-F37F-32F2A5E1BAB1}"/>
+              </a:ext>
+            </a:extLst>
+          </p:cNvPr>
+          <p:cNvSpPr txBox="1">
+            <a:spLocks noChangeArrowheads="1"/>
+          </p:cNvSpPr>
+          <p:nvPr/>
+        </p:nvSpPr>
+        <p:spPr bwMode="auto">
+          <a:xfrm>
+            <a:off x="12760037" y="5152305"/>
+            <a:ext cx="14223018" cy="2292677"/>
+          </a:xfrm>
+          <a:prstGeom prst="rect">
             <a:avLst/>
           </a:prstGeom>
           <a:solidFill>
-            <a:srgbClr val="F3F3F3"/>
+            <a:srgbClr val="FFFFFF"/>
           </a:solidFill>
           <a:ln>
             <a:noFill/>
@@ -3767,61 +3544,16 @@
               <a:spcBef>
                 <a:spcPct val="0"/>
               </a:spcBef>
-              <a:spcAft>
-                <a:spcPct val="0"/>
-              </a:spcAft>
             </a:pPr>
             <a:r>
-              <a:rPr lang="en-US" altLang="en-US" sz="3601" i="1" dirty="0">
-                <a:solidFill>
-                  <a:srgbClr val="7A306C"/>
-                </a:solidFill>
-                <a:latin typeface="Georgia" panose="02040502050405020303" pitchFamily="18" charset="0"/>
-              </a:rPr>
-              <a:t>Contact:		</a:t>
-            </a:r>
-            <a:r>
-              <a:rPr lang="en-US" altLang="en-US" sz="3601" dirty="0" err="1">
-                <a:solidFill>
-                  <a:srgbClr val="000000"/>
-                </a:solidFill>
-                <a:latin typeface="Georgia" panose="02040502050405020303" pitchFamily="18" charset="0"/>
-              </a:rPr>
-              <a:t>scherven@umd.edu</a:t>
-            </a:r>
-            <a:r>
-              <a:rPr lang="en-US" altLang="en-US" sz="3601" i="1" dirty="0">
-                <a:solidFill>
-                  <a:srgbClr val="7A306C"/>
-                </a:solidFill>
-                <a:latin typeface="Georgia" panose="02040502050405020303" pitchFamily="18" charset="0"/>
-              </a:rPr>
-              <a:t>			Website:		</a:t>
-            </a:r>
-            <a:r>
-              <a:rPr lang="en-US" altLang="en-US" sz="3601" dirty="0" err="1">
-                <a:solidFill>
-                  <a:srgbClr val="000000"/>
-                </a:solidFill>
-                <a:latin typeface="Georgia" panose="02040502050405020303" pitchFamily="18" charset="0"/>
-              </a:rPr>
-              <a:t>innoviox.github.io</a:t>
-            </a:r>
-            <a:r>
-              <a:rPr lang="en-US" altLang="en-US" sz="3601" dirty="0">
-                <a:solidFill>
-                  <a:srgbClr val="000000"/>
-                </a:solidFill>
-                <a:latin typeface="Georgia" panose="02040502050405020303" pitchFamily="18" charset="0"/>
-              </a:rPr>
-              <a:t> </a:t>
-            </a:r>
-            <a:endParaRPr lang="en-US" altLang="en-US" sz="3601" i="1" dirty="0">
-              <a:solidFill>
-                <a:srgbClr val="000000"/>
-              </a:solidFill>
-              <a:latin typeface="Georgia" panose="02040502050405020303" pitchFamily="18" charset="0"/>
-            </a:endParaRPr>
+              <a:rPr lang="en-US" altLang="en-US" sz="4800" dirty="0">
+                <a:solidFill>
+                  <a:srgbClr val="7030A0"/>
+                </a:solidFill>
+                <a:latin typeface="Franklin Gothic Medium" panose="020B0603020102020204" pitchFamily="34" charset="0"/>
+              </a:rPr>
+              <a:t>Modern syntax</a:t>
+            </a:r>
           </a:p>
           <a:p>
             <a:pPr defTabSz="914468" eaLnBrk="0" fontAlgn="base" hangingPunct="0">
@@ -3831,33 +3563,13 @@
               <a:spcAft>
                 <a:spcPct val="0"/>
               </a:spcAft>
+              <a:defRPr/>
             </a:pPr>
             <a:r>
-              <a:rPr lang="en-US" altLang="en-US" sz="2201" i="1" dirty="0">
-                <a:solidFill>
-                  <a:srgbClr val="7A306C"/>
-                </a:solidFill>
-                <a:latin typeface="Georgia" panose="02040502050405020303" pitchFamily="18" charset="0"/>
-              </a:rPr>
-              <a:t>References: [1] Miceli, G., &amp; </a:t>
-            </a:r>
-            <a:r>
-              <a:rPr lang="en-US" altLang="en-US" sz="2201" i="1" dirty="0" err="1">
-                <a:solidFill>
-                  <a:srgbClr val="7A306C"/>
-                </a:solidFill>
-                <a:latin typeface="Georgia" panose="02040502050405020303" pitchFamily="18" charset="0"/>
-              </a:rPr>
-              <a:t>Caramazza</a:t>
-            </a:r>
-            <a:r>
-              <a:rPr lang="en-US" altLang="en-US" sz="2201" i="1" dirty="0">
-                <a:solidFill>
-                  <a:srgbClr val="7A306C"/>
-                </a:solidFill>
-                <a:latin typeface="Georgia" panose="02040502050405020303" pitchFamily="18" charset="0"/>
-              </a:rPr>
-              <a:t>, A. (1988). Dissociation of Inflectional and Derivational Morphology. Brain and Language, 35, 24–65.</a:t>
+              <a:rPr lang="en-US" altLang="en-US" sz="4800" dirty="0">
+                <a:latin typeface="Franklin Gothic Book" panose="020B0503020102020204" pitchFamily="34" charset="0"/>
+              </a:rPr>
+              <a:t>One process to give phonological form to an abstract syntactic object [3].</a:t>
             </a:r>
           </a:p>
           <a:p>
@@ -3868,130 +3580,125 @@
               <a:spcAft>
                 <a:spcPct val="0"/>
               </a:spcAft>
+              <a:defRPr/>
             </a:pPr>
-            <a:endParaRPr lang="en-US" altLang="en-US" dirty="0">
-              <a:latin typeface="Arial" panose="020B0604020202020204" pitchFamily="34" charset="0"/>
+            <a:endParaRPr lang="en-US" altLang="en-US" sz="4800" dirty="0">
+              <a:solidFill>
+                <a:srgbClr val="7030A0"/>
+              </a:solidFill>
+              <a:latin typeface="Franklin Gothic Medium" panose="020B0603020102020204" pitchFamily="34" charset="0"/>
             </a:endParaRPr>
           </a:p>
-        </p:txBody>
-      </p:sp>
-      <p:sp>
-        <p:nvSpPr>
-          <p:cNvPr id="1248" name="AutoShape 301">
+          <a:p>
+            <a:pPr defTabSz="914468" eaLnBrk="0" fontAlgn="base" hangingPunct="0">
+              <a:spcBef>
+                <a:spcPct val="0"/>
+              </a:spcBef>
+              <a:spcAft>
+                <a:spcPct val="0"/>
+              </a:spcAft>
+              <a:defRPr/>
+            </a:pPr>
+            <a:endParaRPr lang="en-US" altLang="en-US" sz="4800" dirty="0">
+              <a:solidFill>
+                <a:srgbClr val="7030A0"/>
+              </a:solidFill>
+              <a:latin typeface="Franklin Gothic Medium" panose="020B0603020102020204" pitchFamily="34" charset="0"/>
+            </a:endParaRPr>
+          </a:p>
+          <a:p>
+            <a:pPr defTabSz="914468" eaLnBrk="0" fontAlgn="base" hangingPunct="0">
+              <a:spcBef>
+                <a:spcPct val="0"/>
+              </a:spcBef>
+              <a:spcAft>
+                <a:spcPct val="0"/>
+              </a:spcAft>
+              <a:defRPr/>
+            </a:pPr>
+            <a:endParaRPr lang="en-US" altLang="en-US" sz="4800" dirty="0">
+              <a:solidFill>
+                <a:srgbClr val="7030A0"/>
+              </a:solidFill>
+              <a:latin typeface="Franklin Gothic Medium" panose="020B0603020102020204" pitchFamily="34" charset="0"/>
+            </a:endParaRPr>
+          </a:p>
+          <a:p>
+            <a:pPr defTabSz="914468" eaLnBrk="0" fontAlgn="base" hangingPunct="0">
+              <a:spcBef>
+                <a:spcPct val="0"/>
+              </a:spcBef>
+              <a:spcAft>
+                <a:spcPct val="0"/>
+              </a:spcAft>
+              <a:defRPr/>
+            </a:pPr>
+            <a:endParaRPr lang="en-US" altLang="en-US" sz="4800" dirty="0">
+              <a:solidFill>
+                <a:srgbClr val="7030A0"/>
+              </a:solidFill>
+              <a:latin typeface="Franklin Gothic Medium" panose="020B0603020102020204" pitchFamily="34" charset="0"/>
+            </a:endParaRPr>
+          </a:p>
+          <a:p>
+            <a:pPr defTabSz="914468" eaLnBrk="0" fontAlgn="base" hangingPunct="0">
+              <a:spcBef>
+                <a:spcPct val="0"/>
+              </a:spcBef>
+              <a:spcAft>
+                <a:spcPct val="0"/>
+              </a:spcAft>
+              <a:defRPr/>
+            </a:pPr>
+            <a:endParaRPr lang="en-US" altLang="en-US" sz="4800" dirty="0">
+              <a:solidFill>
+                <a:srgbClr val="7030A0"/>
+              </a:solidFill>
+              <a:latin typeface="Franklin Gothic Medium" panose="020B0603020102020204" pitchFamily="34" charset="0"/>
+            </a:endParaRPr>
+          </a:p>
+          <a:p>
+            <a:pPr defTabSz="914468" eaLnBrk="0" fontAlgn="base" hangingPunct="0">
+              <a:spcBef>
+                <a:spcPct val="0"/>
+              </a:spcBef>
+              <a:spcAft>
+                <a:spcPct val="0"/>
+              </a:spcAft>
+              <a:defRPr/>
+            </a:pPr>
+            <a:endParaRPr lang="en-US" altLang="en-US" sz="4800" dirty="0">
+              <a:solidFill>
+                <a:srgbClr val="7030A0"/>
+              </a:solidFill>
+              <a:latin typeface="Franklin Gothic Medium" panose="020B0603020102020204" pitchFamily="34" charset="0"/>
+            </a:endParaRPr>
+          </a:p>
+          <a:p>
+            <a:pPr defTabSz="914468" eaLnBrk="0" fontAlgn="base" hangingPunct="0">
+              <a:spcBef>
+                <a:spcPct val="0"/>
+              </a:spcBef>
+              <a:spcAft>
+                <a:spcPct val="0"/>
+              </a:spcAft>
+              <a:defRPr/>
+            </a:pPr>
+            <a:endParaRPr lang="en-US" altLang="en-US" sz="4800" dirty="0">
+              <a:solidFill>
+                <a:srgbClr val="7030A0"/>
+              </a:solidFill>
+              <a:latin typeface="Franklin Gothic Medium" panose="020B0603020102020204" pitchFamily="34" charset="0"/>
+            </a:endParaRPr>
+          </a:p>
+        </p:txBody>
+      </p:sp>
+      <p:sp>
+        <p:nvSpPr>
+          <p:cNvPr id="1250" name="Text Box 303">
             <a:extLst>
               <a:ext uri="{FF2B5EF4-FFF2-40B4-BE49-F238E27FC236}">
-                <a16:creationId xmlns:a16="http://schemas.microsoft.com/office/drawing/2014/main" id="{BB95F72A-1E39-7AE0-3F5B-624939676DBB}"/>
-              </a:ext>
-            </a:extLst>
-          </p:cNvPr>
-          <p:cNvSpPr>
-            <a:spLocks noChangeArrowheads="1"/>
-          </p:cNvSpPr>
-          <p:nvPr/>
-        </p:nvSpPr>
-        <p:spPr bwMode="auto">
-          <a:xfrm>
-            <a:off x="26476037" y="24354704"/>
-            <a:ext cx="16542325" cy="7772400"/>
-          </a:xfrm>
-          <a:prstGeom prst="rect">
-            <a:avLst/>
-          </a:prstGeom>
-          <a:solidFill>
-            <a:srgbClr val="D7E3DB"/>
-          </a:solidFill>
-          <a:ln w="31750" algn="ctr">
-            <a:solidFill>
-              <a:srgbClr val="85AA93"/>
-            </a:solidFill>
-            <a:miter lim="800000"/>
-            <a:headEnd/>
-            <a:tailEnd/>
-          </a:ln>
-          <a:effectLst/>
-          <a:extLst>
-            <a:ext uri="{AF507438-7753-43E0-B8FC-AC1667EBCBE1}">
-              <a14:hiddenEffects xmlns:a14="http://schemas.microsoft.com/office/drawing/2010/main">
-                <a:effectLst>
-                  <a:outerShdw dist="35921" dir="2700000" algn="ctr" rotWithShape="0">
-                    <a:srgbClr val="868686"/>
-                  </a:outerShdw>
-                </a:effectLst>
-              </a14:hiddenEffects>
-            </a:ext>
-          </a:extLst>
-        </p:spPr>
-        <p:txBody>
-          <a:bodyPr vert="horz" wrap="square" lIns="457200" tIns="457200" rIns="457200" bIns="457200" numCol="1" anchor="t" anchorCtr="0" compatLnSpc="1">
-            <a:prstTxWarp prst="textNoShape">
-              <a:avLst/>
-            </a:prstTxWarp>
-          </a:bodyPr>
-          <a:lstStyle/>
-          <a:p>
-            <a:pPr defTabSz="914468" eaLnBrk="0" fontAlgn="base" hangingPunct="0">
-              <a:spcBef>
-                <a:spcPct val="0"/>
-              </a:spcBef>
-              <a:spcAft>
-                <a:spcPct val="0"/>
-              </a:spcAft>
-            </a:pPr>
-            <a:r>
-              <a:rPr lang="en-US" altLang="en-US" sz="4800" dirty="0">
-                <a:solidFill>
-                  <a:srgbClr val="7A306C"/>
-                </a:solidFill>
-                <a:latin typeface="Franklin Gothic Medium" panose="020B0603020102020204" pitchFamily="34" charset="0"/>
-              </a:rPr>
-              <a:t>Conclusions</a:t>
-            </a:r>
-          </a:p>
-          <a:p>
-            <a:pPr marR="550904" defTabSz="914468" eaLnBrk="0" fontAlgn="base" hangingPunct="0">
-              <a:spcBef>
-                <a:spcPct val="0"/>
-              </a:spcBef>
-              <a:spcAft>
-                <a:spcPct val="0"/>
-              </a:spcAft>
-              <a:buSzPts val="3000"/>
-              <a:buFont typeface="Symbol" panose="05050102010706020507" pitchFamily="18" charset="2"/>
-              <a:buChar char="·"/>
-            </a:pPr>
-            <a:r>
-              <a:rPr lang="en-US" altLang="en-US" sz="4001" dirty="0">
-                <a:solidFill>
-                  <a:srgbClr val="000000"/>
-                </a:solidFill>
-                <a:latin typeface="Georgia" panose="02040502050405020303" pitchFamily="18" charset="0"/>
-              </a:rPr>
-              <a:t>Several big takeaway points</a:t>
-            </a:r>
-            <a:r>
-              <a:rPr lang="en-US" altLang="en-US" sz="4001" dirty="0">
-                <a:solidFill>
-                  <a:srgbClr val="000000"/>
-                </a:solidFill>
-                <a:latin typeface="Arial" panose="020B0604020202020204" pitchFamily="34" charset="0"/>
-              </a:rPr>
-              <a:t> – what do you want them to remember?</a:t>
-            </a:r>
-            <a:endParaRPr lang="en-US" altLang="en-US" sz="4001" dirty="0">
-              <a:solidFill>
-                <a:srgbClr val="000000"/>
-              </a:solidFill>
-              <a:latin typeface="Georgia" panose="02040502050405020303" pitchFamily="18" charset="0"/>
-            </a:endParaRPr>
-          </a:p>
-        </p:txBody>
-      </p:sp>
-      <p:sp>
-        <p:nvSpPr>
-          <p:cNvPr id="1249" name="Text Box 302">
-            <a:extLst>
-              <a:ext uri="{FF2B5EF4-FFF2-40B4-BE49-F238E27FC236}">
-                <a16:creationId xmlns:a16="http://schemas.microsoft.com/office/drawing/2014/main" id="{8375A457-DB52-2EE4-F37F-32F2A5E1BAB1}"/>
+                <a16:creationId xmlns:a16="http://schemas.microsoft.com/office/drawing/2014/main" id="{625A7FBF-2D11-344D-A941-F9C22A8F2260}"/>
               </a:ext>
             </a:extLst>
           </p:cNvPr>
@@ -4002,8 +3709,8 @@
         </p:nvSpPr>
         <p:spPr bwMode="auto">
           <a:xfrm>
-            <a:off x="12760037" y="5544984"/>
-            <a:ext cx="12319100" cy="9151190"/>
+            <a:off x="813249" y="5417820"/>
+            <a:ext cx="11727415" cy="15255571"/>
           </a:xfrm>
           <a:prstGeom prst="rect">
             <a:avLst/>
@@ -4050,7 +3757,7 @@
                 <a:spcPct val="0"/>
               </a:spcBef>
               <a:spcAft>
-                <a:spcPts val="2500"/>
+                <a:spcPct val="0"/>
               </a:spcAft>
             </a:pPr>
             <a:r>
@@ -4060,8 +3767,14 @@
                 </a:solidFill>
                 <a:latin typeface="Franklin Gothic Medium" panose="020B0603020102020204" pitchFamily="34" charset="0"/>
               </a:rPr>
-              <a:t>The Model</a:t>
-            </a:r>
+              <a:t>Two Categories of Morphology</a:t>
+            </a:r>
+            <a:endParaRPr lang="en-US" altLang="en-US" sz="4400" dirty="0">
+              <a:solidFill>
+                <a:srgbClr val="000000"/>
+              </a:solidFill>
+              <a:latin typeface="Franklin Gothic Book" panose="020B0503020102020204" pitchFamily="34" charset="0"/>
+            </a:endParaRPr>
           </a:p>
           <a:p>
             <a:pPr defTabSz="914468" eaLnBrk="0" fontAlgn="base" hangingPunct="0">
@@ -4071,115 +3784,11 @@
               <a:spcAft>
                 <a:spcPct val="0"/>
               </a:spcAft>
-              <a:defRPr/>
-            </a:pPr>
-            <a:r>
-              <a:rPr lang="en-US" altLang="en-US" sz="3601" dirty="0">
-                <a:solidFill>
-                  <a:srgbClr val="000000"/>
-                </a:solidFill>
-                <a:latin typeface="Georgia" panose="02040502050405020303" pitchFamily="18" charset="0"/>
-              </a:rPr>
-              <a:t>Encoder-decoder model &lt;- describe a bit deeper</a:t>
-            </a:r>
-          </a:p>
-          <a:p>
-            <a:pPr defTabSz="914468" eaLnBrk="0" fontAlgn="base" hangingPunct="0">
-              <a:spcBef>
-                <a:spcPct val="0"/>
-              </a:spcBef>
-              <a:spcAft>
-                <a:spcPct val="0"/>
-              </a:spcAft>
-              <a:defRPr/>
-            </a:pPr>
-            <a:r>
-              <a:rPr lang="en-US" altLang="en-US" sz="3601" dirty="0">
-                <a:solidFill>
-                  <a:srgbClr val="000000"/>
-                </a:solidFill>
-                <a:latin typeface="Georgia" panose="02040502050405020303" pitchFamily="18" charset="0"/>
-              </a:rPr>
-              <a:t>	this is what the model is doing</a:t>
-            </a:r>
-          </a:p>
-          <a:p>
-            <a:pPr defTabSz="914468" eaLnBrk="0" fontAlgn="base" hangingPunct="0">
-              <a:spcBef>
-                <a:spcPct val="0"/>
-              </a:spcBef>
-              <a:spcAft>
-                <a:spcPct val="0"/>
-              </a:spcAft>
-              <a:defRPr/>
             </a:pPr>
             <a:endParaRPr lang="en-US" altLang="en-US" sz="3601" dirty="0">
               <a:solidFill>
                 <a:srgbClr val="000000"/>
               </a:solidFill>
-              <a:latin typeface="Georgia" panose="02040502050405020303" pitchFamily="18" charset="0"/>
-            </a:endParaRPr>
-          </a:p>
-          <a:p>
-            <a:pPr defTabSz="914468" eaLnBrk="0" fontAlgn="base" hangingPunct="0">
-              <a:spcBef>
-                <a:spcPct val="0"/>
-              </a:spcBef>
-              <a:spcAft>
-                <a:spcPct val="0"/>
-              </a:spcAft>
-              <a:defRPr/>
-            </a:pPr>
-            <a:r>
-              <a:rPr lang="en-US" altLang="en-US" sz="3601" dirty="0">
-                <a:solidFill>
-                  <a:srgbClr val="000000"/>
-                </a:solidFill>
-                <a:latin typeface="Georgia" panose="02040502050405020303" pitchFamily="18" charset="0"/>
-              </a:rPr>
-              <a:t>Single &amp; dual route model</a:t>
-            </a:r>
-          </a:p>
-          <a:p>
-            <a:pPr defTabSz="914468" eaLnBrk="0" fontAlgn="base" hangingPunct="0">
-              <a:spcBef>
-                <a:spcPct val="0"/>
-              </a:spcBef>
-              <a:spcAft>
-                <a:spcPct val="0"/>
-              </a:spcAft>
-              <a:defRPr/>
-            </a:pPr>
-            <a:endParaRPr lang="en-US" altLang="en-US" sz="3601" dirty="0">
-              <a:solidFill>
-                <a:srgbClr val="000000"/>
-              </a:solidFill>
-              <a:latin typeface="Georgia" panose="02040502050405020303" pitchFamily="18" charset="0"/>
-            </a:endParaRPr>
-          </a:p>
-          <a:p>
-            <a:pPr defTabSz="914468" eaLnBrk="0" fontAlgn="base" hangingPunct="0">
-              <a:spcBef>
-                <a:spcPct val="0"/>
-              </a:spcBef>
-              <a:spcAft>
-                <a:spcPct val="0"/>
-              </a:spcAft>
-              <a:defRPr/>
-            </a:pPr>
-            <a:r>
-              <a:rPr lang="en-US" altLang="en-US" sz="3601" dirty="0">
-                <a:solidFill>
-                  <a:srgbClr val="000000"/>
-                </a:solidFill>
-                <a:latin typeface="Georgia" panose="02040502050405020303" pitchFamily="18" charset="0"/>
-              </a:rPr>
-              <a:t>If single route model replicates things that implies there is not a neural distinction</a:t>
-            </a:r>
-            <a:endParaRPr lang="en-US" altLang="en-US" sz="4800" dirty="0">
-              <a:solidFill>
-                <a:srgbClr val="7A306C"/>
-              </a:solidFill>
               <a:latin typeface="Franklin Gothic Medium" panose="020B0603020102020204" pitchFamily="34" charset="0"/>
             </a:endParaRPr>
           </a:p>
@@ -4192,21 +3801,189 @@
                 <a:spcPts val="2500"/>
               </a:spcAft>
             </a:pPr>
-            <a:endParaRPr lang="en-US" altLang="en-US" sz="4800" dirty="0">
+            <a:r>
+              <a:rPr lang="en-US" altLang="en-US" sz="4400" dirty="0">
+                <a:solidFill>
+                  <a:srgbClr val="7030A0"/>
+                </a:solidFill>
+                <a:latin typeface="Franklin Gothic Medium" panose="020B0603020102020204" pitchFamily="34" charset="0"/>
+              </a:rPr>
+              <a:t>         </a:t>
+            </a:r>
+            <a:r>
+              <a:rPr lang="en-US" altLang="en-US" sz="4400" dirty="0">
+                <a:solidFill>
+                  <a:srgbClr val="D1885C"/>
+                </a:solidFill>
+                <a:latin typeface="Franklin Gothic Medium" panose="020B0603020102020204" pitchFamily="34" charset="0"/>
+              </a:rPr>
+              <a:t>Inflectional</a:t>
+            </a:r>
+            <a:r>
+              <a:rPr lang="en-US" altLang="en-US" sz="3601" dirty="0">
+                <a:solidFill>
+                  <a:srgbClr val="7030A0"/>
+                </a:solidFill>
+                <a:latin typeface="Franklin Gothic Medium" panose="020B0603020102020204" pitchFamily="34" charset="0"/>
+              </a:rPr>
+              <a:t>                        </a:t>
+            </a:r>
+            <a:r>
+              <a:rPr lang="en-US" altLang="en-US" sz="4400" dirty="0">
+                <a:solidFill>
+                  <a:srgbClr val="5571AB"/>
+                </a:solidFill>
+                <a:latin typeface="Franklin Gothic Medium" panose="020B0603020102020204" pitchFamily="34" charset="0"/>
+              </a:rPr>
+              <a:t>Derivational</a:t>
+            </a:r>
+          </a:p>
+          <a:p>
+            <a:pPr defTabSz="914468" eaLnBrk="0" fontAlgn="base" hangingPunct="0">
+              <a:spcBef>
+                <a:spcPct val="0"/>
+              </a:spcBef>
+              <a:spcAft>
+                <a:spcPts val="2500"/>
+              </a:spcAft>
+            </a:pPr>
+            <a:endParaRPr lang="en-US" altLang="en-US" sz="4400" dirty="0">
               <a:solidFill>
-                <a:srgbClr val="7A306C"/>
+                <a:srgbClr val="7030A0"/>
               </a:solidFill>
               <a:latin typeface="Franklin Gothic Medium" panose="020B0603020102020204" pitchFamily="34" charset="0"/>
             </a:endParaRPr>
           </a:p>
-        </p:txBody>
-      </p:sp>
-      <p:sp>
-        <p:nvSpPr>
-          <p:cNvPr id="1250" name="Text Box 303">
+          <a:p>
+            <a:pPr defTabSz="914468" eaLnBrk="0" fontAlgn="base" hangingPunct="0">
+              <a:spcBef>
+                <a:spcPct val="0"/>
+              </a:spcBef>
+              <a:spcAft>
+                <a:spcPct val="0"/>
+              </a:spcAft>
+            </a:pPr>
+            <a:endParaRPr lang="en-US" altLang="en-US" sz="4400" dirty="0">
+              <a:latin typeface="Franklin Gothic Book" panose="020B0503020102020204" pitchFamily="34" charset="0"/>
+            </a:endParaRPr>
+          </a:p>
+          <a:p>
+            <a:pPr defTabSz="914468" eaLnBrk="0" fontAlgn="base" hangingPunct="0">
+              <a:spcBef>
+                <a:spcPct val="0"/>
+              </a:spcBef>
+              <a:spcAft>
+                <a:spcPct val="0"/>
+              </a:spcAft>
+            </a:pPr>
+            <a:r>
+              <a:rPr lang="en-US" altLang="en-US" sz="4400" dirty="0">
+                <a:latin typeface="Franklin Gothic Book" panose="020B0503020102020204" pitchFamily="34" charset="0"/>
+              </a:rPr>
+              <a:t>   Meaning Preserved       Meaning Changed</a:t>
+            </a:r>
+          </a:p>
+          <a:p>
+            <a:pPr defTabSz="914468" eaLnBrk="0" fontAlgn="base" hangingPunct="0">
+              <a:spcBef>
+                <a:spcPct val="0"/>
+              </a:spcBef>
+              <a:spcAft>
+                <a:spcPct val="0"/>
+              </a:spcAft>
+            </a:pPr>
+            <a:endParaRPr lang="en-US" altLang="en-US" sz="3601" dirty="0">
+              <a:latin typeface="Franklin Gothic Medium" panose="020B0603020102020204" pitchFamily="34" charset="0"/>
+            </a:endParaRPr>
+          </a:p>
+          <a:p>
+            <a:pPr defTabSz="914468" eaLnBrk="0" fontAlgn="base" hangingPunct="0">
+              <a:spcBef>
+                <a:spcPct val="0"/>
+              </a:spcBef>
+              <a:spcAft>
+                <a:spcPct val="0"/>
+              </a:spcAft>
+            </a:pPr>
+            <a:r>
+              <a:rPr lang="en-US" altLang="en-US" sz="4800" dirty="0">
+                <a:solidFill>
+                  <a:srgbClr val="7030A0"/>
+                </a:solidFill>
+                <a:latin typeface="Franklin Gothic Medium" panose="020B0603020102020204" pitchFamily="34" charset="0"/>
+              </a:rPr>
+              <a:t>The Inflectional Deficiency</a:t>
+            </a:r>
+          </a:p>
+          <a:p>
+            <a:pPr defTabSz="914468" eaLnBrk="0" fontAlgn="base" hangingPunct="0">
+              <a:spcBef>
+                <a:spcPct val="0"/>
+              </a:spcBef>
+              <a:spcAft>
+                <a:spcPct val="0"/>
+              </a:spcAft>
+            </a:pPr>
+            <a:r>
+              <a:rPr lang="en-US" altLang="en-US" sz="4400" dirty="0">
+                <a:latin typeface="Franklin Gothic Book" panose="020B0503020102020204" pitchFamily="34" charset="0"/>
+              </a:rPr>
+              <a:t>People with aphasia regularly make more errors while producing inflectional morphemes [1].</a:t>
+            </a:r>
+          </a:p>
+          <a:p>
+            <a:pPr defTabSz="914468" eaLnBrk="0" fontAlgn="base" hangingPunct="0">
+              <a:spcBef>
+                <a:spcPct val="0"/>
+              </a:spcBef>
+              <a:spcAft>
+                <a:spcPct val="0"/>
+              </a:spcAft>
+            </a:pPr>
+            <a:r>
+              <a:rPr lang="en-US" altLang="en-US" sz="4400" dirty="0">
+                <a:latin typeface="Franklin Gothic Book" panose="020B0503020102020204" pitchFamily="34" charset="0"/>
+              </a:rPr>
+              <a:t>This has been observed cross-linguistically in cases of agrammatic aphasia [4, 5].</a:t>
+            </a:r>
+            <a:endParaRPr lang="en-US" altLang="en-US" sz="4000" dirty="0">
+              <a:latin typeface="Franklin Gothic Book" panose="020B0503020102020204" pitchFamily="34" charset="0"/>
+            </a:endParaRPr>
+          </a:p>
+          <a:p>
+            <a:pPr defTabSz="914468" eaLnBrk="0" fontAlgn="base" hangingPunct="0">
+              <a:spcBef>
+                <a:spcPct val="0"/>
+              </a:spcBef>
+              <a:spcAft>
+                <a:spcPct val="0"/>
+              </a:spcAft>
+            </a:pPr>
+            <a:endParaRPr lang="en-US" altLang="en-US" sz="3601" dirty="0">
+              <a:latin typeface="Franklin Gothic Medium" panose="020B0603020102020204" pitchFamily="34" charset="0"/>
+            </a:endParaRPr>
+          </a:p>
+          <a:p>
+            <a:pPr defTabSz="914468" eaLnBrk="0" fontAlgn="base" hangingPunct="0">
+              <a:spcBef>
+                <a:spcPct val="0"/>
+              </a:spcBef>
+              <a:spcAft>
+                <a:spcPct val="0"/>
+              </a:spcAft>
+            </a:pPr>
+            <a:endParaRPr lang="en-US" altLang="en-US" sz="3601" dirty="0">
+              <a:latin typeface="Franklin Gothic Medium" panose="020B0603020102020204" pitchFamily="34" charset="0"/>
+            </a:endParaRPr>
+          </a:p>
+        </p:txBody>
+      </p:sp>
+      <p:sp>
+        <p:nvSpPr>
+          <p:cNvPr id="1251" name="Text Box 305">
             <a:extLst>
               <a:ext uri="{FF2B5EF4-FFF2-40B4-BE49-F238E27FC236}">
-                <a16:creationId xmlns:a16="http://schemas.microsoft.com/office/drawing/2014/main" id="{625A7FBF-2D11-344D-A941-F9C22A8F2260}"/>
+                <a16:creationId xmlns:a16="http://schemas.microsoft.com/office/drawing/2014/main" id="{8ED9FE9A-B6CC-63BE-BB50-7E6DBDABD1E0}"/>
               </a:ext>
             </a:extLst>
           </p:cNvPr>
@@ -4217,8 +3994,131 @@
         </p:nvSpPr>
         <p:spPr bwMode="auto">
           <a:xfrm>
-            <a:off x="872837" y="11915056"/>
-            <a:ext cx="10972800" cy="14862175"/>
+            <a:off x="872837" y="27542405"/>
+            <a:ext cx="3689350" cy="1162050"/>
+          </a:xfrm>
+          <a:prstGeom prst="rect">
+            <a:avLst/>
+          </a:prstGeom>
+          <a:noFill/>
+          <a:ln>
+            <a:noFill/>
+          </a:ln>
+          <a:effectLst/>
+          <a:extLst>
+            <a:ext uri="{909E8E84-426E-40DD-AFC4-6F175D3DCCD1}">
+              <a14:hiddenFill xmlns:a14="http://schemas.microsoft.com/office/drawing/2010/main">
+                <a:solidFill>
+                  <a:srgbClr val="33714B"/>
+                </a:solidFill>
+              </a14:hiddenFill>
+            </a:ext>
+            <a:ext uri="{91240B29-F687-4F45-9708-019B960494DF}">
+              <a14:hiddenLine xmlns:a14="http://schemas.microsoft.com/office/drawing/2010/main" w="25400" algn="ctr">
+                <a:solidFill>
+                  <a:srgbClr val="000000"/>
+                </a:solidFill>
+                <a:miter lim="800000"/>
+                <a:headEnd/>
+                <a:tailEnd/>
+              </a14:hiddenLine>
+            </a:ext>
+            <a:ext uri="{AF507438-7753-43E0-B8FC-AC1667EBCBE1}">
+              <a14:hiddenEffects xmlns:a14="http://schemas.microsoft.com/office/drawing/2010/main">
+                <a:effectLst>
+                  <a:outerShdw dist="35921" dir="2700000" algn="ctr" rotWithShape="0">
+                    <a:srgbClr val="000000"/>
+                  </a:outerShdw>
+                </a:effectLst>
+              </a14:hiddenEffects>
+            </a:ext>
+          </a:extLst>
+        </p:spPr>
+        <p:txBody>
+          <a:bodyPr vert="horz" wrap="square" lIns="36576" tIns="36576" rIns="36576" bIns="36576" numCol="1" anchor="t" anchorCtr="0" compatLnSpc="1">
+            <a:prstTxWarp prst="textNoShape">
+              <a:avLst/>
+            </a:prstTxWarp>
+          </a:bodyPr>
+          <a:lstStyle/>
+          <a:p>
+            <a:pPr algn="ctr" defTabSz="914468" eaLnBrk="0" fontAlgn="base" hangingPunct="0">
+              <a:spcBef>
+                <a:spcPct val="0"/>
+              </a:spcBef>
+              <a:spcAft>
+                <a:spcPct val="0"/>
+              </a:spcAft>
+            </a:pPr>
+            <a:r>
+              <a:rPr lang="en-US" altLang="en-US" sz="4800" dirty="0">
+                <a:solidFill>
+                  <a:srgbClr val="7A306C"/>
+                </a:solidFill>
+                <a:latin typeface="Franklin Gothic Medium" panose="020B0603020102020204" pitchFamily="34" charset="0"/>
+              </a:rPr>
+              <a:t>Code used:</a:t>
+            </a:r>
+            <a:endParaRPr lang="en-US" altLang="en-US" dirty="0">
+              <a:latin typeface="Franklin Gothic Medium" panose="020B0603020102020204" pitchFamily="34" charset="0"/>
+            </a:endParaRPr>
+          </a:p>
+        </p:txBody>
+      </p:sp>
+      <p:pic>
+        <p:nvPicPr>
+          <p:cNvPr id="7" name="Picture 6">
+            <a:extLst>
+              <a:ext uri="{FF2B5EF4-FFF2-40B4-BE49-F238E27FC236}">
+                <a16:creationId xmlns:a16="http://schemas.microsoft.com/office/drawing/2014/main" id="{1403C721-5FD1-324B-9B9A-4259EEEF2EF1}"/>
+              </a:ext>
+            </a:extLst>
+          </p:cNvPr>
+          <p:cNvPicPr>
+            <a:picLocks noChangeAspect="1"/>
+          </p:cNvPicPr>
+          <p:nvPr/>
+        </p:nvPicPr>
+        <p:blipFill>
+          <a:blip r:embed="rId3">
+            <a:extLst>
+              <a:ext uri="{28A0092B-C50C-407E-A947-70E740481C1C}">
+                <a14:useLocalDpi xmlns:a14="http://schemas.microsoft.com/office/drawing/2010/main" val="0"/>
+              </a:ext>
+            </a:extLst>
+          </a:blip>
+          <a:stretch>
+            <a:fillRect/>
+          </a:stretch>
+        </p:blipFill>
+        <p:spPr>
+          <a:xfrm>
+            <a:off x="779560" y="14445789"/>
+            <a:ext cx="6604818" cy="4565095"/>
+          </a:xfrm>
+          <a:prstGeom prst="rect">
+            <a:avLst/>
+          </a:prstGeom>
+        </p:spPr>
+      </p:pic>
+      <p:sp>
+        <p:nvSpPr>
+          <p:cNvPr id="19" name="Text Box 303">
+            <a:extLst>
+              <a:ext uri="{FF2B5EF4-FFF2-40B4-BE49-F238E27FC236}">
+                <a16:creationId xmlns:a16="http://schemas.microsoft.com/office/drawing/2014/main" id="{F12E6BC5-2C5C-A440-916B-2C0FA6A10723}"/>
+              </a:ext>
+            </a:extLst>
+          </p:cNvPr>
+          <p:cNvSpPr txBox="1">
+            <a:spLocks noChangeArrowheads="1"/>
+          </p:cNvSpPr>
+          <p:nvPr/>
+        </p:nvSpPr>
+        <p:spPr bwMode="auto">
+          <a:xfrm>
+            <a:off x="27897455" y="16030857"/>
+            <a:ext cx="12801600" cy="1444507"/>
           </a:xfrm>
           <a:prstGeom prst="rect">
             <a:avLst/>
@@ -4268,331 +4168,200 @@
                 <a:spcPct val="0"/>
               </a:spcAft>
             </a:pPr>
-            <a:r>
-              <a:rPr lang="en-US" altLang="en-US" sz="4800" dirty="0">
-                <a:solidFill>
-                  <a:srgbClr val="7A306C"/>
-                </a:solidFill>
-                <a:latin typeface="Franklin Gothic Medium" panose="020B0603020102020204" pitchFamily="34" charset="0"/>
-              </a:rPr>
-              <a:t>Background information</a:t>
-            </a:r>
-          </a:p>
-          <a:p>
-            <a:pPr defTabSz="914468" eaLnBrk="0" fontAlgn="base" hangingPunct="0">
-              <a:spcBef>
-                <a:spcPct val="0"/>
-              </a:spcBef>
-              <a:spcAft>
-                <a:spcPct val="0"/>
-              </a:spcAft>
-            </a:pPr>
-            <a:endParaRPr lang="en-US" altLang="en-US" sz="3601" dirty="0">
-              <a:solidFill>
-                <a:srgbClr val="000000"/>
-              </a:solidFill>
-              <a:latin typeface="Georgia" panose="02040502050405020303" pitchFamily="18" charset="0"/>
+            <a:endParaRPr lang="en-US" altLang="en-US" sz="4400" dirty="0">
+              <a:latin typeface="Franklin Gothic Book" panose="020B0503020102020204" pitchFamily="34" charset="0"/>
             </a:endParaRPr>
           </a:p>
-          <a:p>
-            <a:pPr defTabSz="914468" eaLnBrk="0" fontAlgn="base" hangingPunct="0">
-              <a:spcBef>
-                <a:spcPct val="0"/>
-              </a:spcBef>
-              <a:spcAft>
-                <a:spcPct val="0"/>
-              </a:spcAft>
-            </a:pPr>
-            <a:r>
-              <a:rPr lang="en-US" altLang="en-US" sz="3601" dirty="0">
-                <a:solidFill>
-                  <a:srgbClr val="000000"/>
-                </a:solidFill>
-                <a:latin typeface="Georgia" panose="02040502050405020303" pitchFamily="18" charset="0"/>
-              </a:rPr>
-              <a:t>Inflectional morphemes        Derivational morphemes</a:t>
-            </a:r>
-          </a:p>
-          <a:p>
-            <a:pPr defTabSz="914468" eaLnBrk="0" fontAlgn="base" hangingPunct="0">
-              <a:spcBef>
-                <a:spcPct val="0"/>
-              </a:spcBef>
-              <a:spcAft>
-                <a:spcPct val="0"/>
-              </a:spcAft>
-            </a:pPr>
-            <a:endParaRPr lang="en-US" altLang="en-US" sz="3601" dirty="0">
-              <a:solidFill>
-                <a:srgbClr val="000000"/>
-              </a:solidFill>
-              <a:latin typeface="Georgia" panose="02040502050405020303" pitchFamily="18" charset="0"/>
-            </a:endParaRPr>
-          </a:p>
-          <a:p>
-            <a:pPr defTabSz="914468" eaLnBrk="0" fontAlgn="base" hangingPunct="0">
-              <a:spcBef>
-                <a:spcPct val="0"/>
-              </a:spcBef>
-              <a:spcAft>
-                <a:spcPct val="0"/>
-              </a:spcAft>
-            </a:pPr>
-            <a:r>
-              <a:rPr lang="en-US" altLang="en-US" sz="3601" dirty="0">
-                <a:solidFill>
-                  <a:srgbClr val="000000"/>
-                </a:solidFill>
-                <a:latin typeface="Georgia" panose="02040502050405020303" pitchFamily="18" charset="0"/>
-              </a:rPr>
-              <a:t>     walk-</a:t>
-            </a:r>
-            <a:r>
-              <a:rPr lang="en-US" altLang="en-US" sz="3601" dirty="0">
-                <a:solidFill>
-                  <a:srgbClr val="FF0000"/>
-                </a:solidFill>
-                <a:latin typeface="Georgia" panose="02040502050405020303" pitchFamily="18" charset="0"/>
-              </a:rPr>
-              <a:t>ed                                       </a:t>
-            </a:r>
-            <a:r>
-              <a:rPr lang="en-US" altLang="en-US" sz="3601" dirty="0">
-                <a:latin typeface="Georgia" panose="02040502050405020303" pitchFamily="18" charset="0"/>
-              </a:rPr>
-              <a:t>paint-</a:t>
-            </a:r>
-            <a:r>
-              <a:rPr lang="en-US" altLang="en-US" sz="3601" dirty="0" err="1">
-                <a:solidFill>
-                  <a:srgbClr val="FF0000"/>
-                </a:solidFill>
-                <a:latin typeface="Georgia" panose="02040502050405020303" pitchFamily="18" charset="0"/>
-              </a:rPr>
-              <a:t>er</a:t>
-            </a:r>
-            <a:endParaRPr lang="en-US" altLang="en-US" sz="3601" dirty="0">
-              <a:solidFill>
-                <a:srgbClr val="FF0000"/>
-              </a:solidFill>
-              <a:latin typeface="Georgia" panose="02040502050405020303" pitchFamily="18" charset="0"/>
-            </a:endParaRPr>
-          </a:p>
-          <a:p>
-            <a:pPr defTabSz="914468" eaLnBrk="0" fontAlgn="base" hangingPunct="0">
-              <a:spcBef>
-                <a:spcPct val="0"/>
-              </a:spcBef>
-              <a:spcAft>
-                <a:spcPct val="0"/>
-              </a:spcAft>
-            </a:pPr>
-            <a:r>
-              <a:rPr lang="en-US" altLang="en-US" sz="3601" dirty="0">
-                <a:solidFill>
-                  <a:srgbClr val="FF0000"/>
-                </a:solidFill>
-                <a:latin typeface="Georgia" panose="02040502050405020303" pitchFamily="18" charset="0"/>
-              </a:rPr>
-              <a:t>     </a:t>
-            </a:r>
-            <a:r>
-              <a:rPr lang="en-US" altLang="en-US" sz="3601" dirty="0">
-                <a:latin typeface="Georgia" panose="02040502050405020303" pitchFamily="18" charset="0"/>
-              </a:rPr>
-              <a:t>chair-</a:t>
-            </a:r>
-            <a:r>
-              <a:rPr lang="en-US" altLang="en-US" sz="3601" dirty="0">
-                <a:solidFill>
-                  <a:srgbClr val="FF0000"/>
-                </a:solidFill>
-                <a:latin typeface="Georgia" panose="02040502050405020303" pitchFamily="18" charset="0"/>
-              </a:rPr>
-              <a:t>s                                         re-</a:t>
-            </a:r>
-            <a:r>
-              <a:rPr lang="en-US" altLang="en-US" sz="3601" dirty="0">
-                <a:latin typeface="Georgia" panose="02040502050405020303" pitchFamily="18" charset="0"/>
-              </a:rPr>
-              <a:t>do</a:t>
-            </a:r>
-          </a:p>
-          <a:p>
-            <a:pPr defTabSz="914468" eaLnBrk="0" fontAlgn="base" hangingPunct="0">
-              <a:spcBef>
-                <a:spcPct val="0"/>
-              </a:spcBef>
-              <a:spcAft>
-                <a:spcPct val="0"/>
-              </a:spcAft>
-            </a:pPr>
-            <a:endParaRPr lang="en-US" altLang="en-US" sz="3601" dirty="0">
-              <a:latin typeface="Georgia" panose="02040502050405020303" pitchFamily="18" charset="0"/>
-            </a:endParaRPr>
-          </a:p>
-          <a:p>
-            <a:pPr defTabSz="914468" eaLnBrk="0" fontAlgn="base" hangingPunct="0">
-              <a:spcBef>
-                <a:spcPct val="0"/>
-              </a:spcBef>
-              <a:spcAft>
-                <a:spcPct val="0"/>
-              </a:spcAft>
-            </a:pPr>
-            <a:r>
-              <a:rPr lang="en-US" altLang="en-US" sz="3601" i="1" dirty="0">
-                <a:latin typeface="Georgia" panose="02040502050405020303" pitchFamily="18" charset="0"/>
-              </a:rPr>
-              <a:t> Meaning Preserved                 Meaning Changed</a:t>
-            </a:r>
-          </a:p>
-          <a:p>
-            <a:pPr defTabSz="914468" eaLnBrk="0" fontAlgn="base" hangingPunct="0">
-              <a:spcBef>
-                <a:spcPct val="0"/>
-              </a:spcBef>
-              <a:spcAft>
-                <a:spcPct val="0"/>
-              </a:spcAft>
-            </a:pPr>
-            <a:endParaRPr lang="en-US" altLang="en-US" sz="3601" dirty="0">
-              <a:latin typeface="Georgia" panose="02040502050405020303" pitchFamily="18" charset="0"/>
-            </a:endParaRPr>
-          </a:p>
-          <a:p>
-            <a:pPr defTabSz="914468" eaLnBrk="0" fontAlgn="base" hangingPunct="0">
-              <a:spcBef>
-                <a:spcPct val="0"/>
-              </a:spcBef>
-              <a:spcAft>
-                <a:spcPct val="0"/>
-              </a:spcAft>
-            </a:pPr>
-            <a:r>
-              <a:rPr lang="en-US" altLang="en-US" sz="3601" dirty="0">
-                <a:latin typeface="Georgia" panose="02040502050405020303" pitchFamily="18" charset="0"/>
-              </a:rPr>
-              <a:t>Non-Fluent Aphasiac Data – clinical observation</a:t>
-            </a:r>
-          </a:p>
-          <a:p>
-            <a:pPr defTabSz="914468" eaLnBrk="0" fontAlgn="base" hangingPunct="0">
-              <a:spcBef>
-                <a:spcPct val="0"/>
-              </a:spcBef>
-              <a:spcAft>
-                <a:spcPct val="0"/>
-              </a:spcAft>
-            </a:pPr>
-            <a:endParaRPr lang="en-US" altLang="en-US" sz="3601" dirty="0">
-              <a:latin typeface="Georgia" panose="02040502050405020303" pitchFamily="18" charset="0"/>
-            </a:endParaRPr>
-          </a:p>
-          <a:p>
-            <a:pPr defTabSz="914468" eaLnBrk="0" fontAlgn="base" hangingPunct="0">
-              <a:spcBef>
-                <a:spcPct val="0"/>
-              </a:spcBef>
-              <a:spcAft>
-                <a:spcPct val="0"/>
-              </a:spcAft>
-            </a:pPr>
-            <a:r>
-              <a:rPr lang="en-US" altLang="en-US" sz="3601" dirty="0">
-                <a:latin typeface="Georgia" panose="02040502050405020303" pitchFamily="18" charset="0"/>
-              </a:rPr>
-              <a:t>	{ graph }</a:t>
-            </a:r>
-          </a:p>
-          <a:p>
-            <a:pPr defTabSz="914468" eaLnBrk="0" fontAlgn="base" hangingPunct="0">
-              <a:spcBef>
-                <a:spcPct val="0"/>
-              </a:spcBef>
-              <a:spcAft>
-                <a:spcPct val="0"/>
-              </a:spcAft>
-            </a:pPr>
-            <a:endParaRPr lang="en-US" altLang="en-US" sz="3601" dirty="0">
-              <a:latin typeface="Georgia" panose="02040502050405020303" pitchFamily="18" charset="0"/>
-            </a:endParaRPr>
-          </a:p>
-          <a:p>
-            <a:pPr defTabSz="914468" eaLnBrk="0" fontAlgn="base" hangingPunct="0">
-              <a:spcBef>
-                <a:spcPct val="0"/>
-              </a:spcBef>
-              <a:spcAft>
-                <a:spcPct val="0"/>
-              </a:spcAft>
-            </a:pPr>
-            <a:endParaRPr lang="en-US" altLang="en-US" sz="3601" dirty="0">
-              <a:latin typeface="Georgia" panose="02040502050405020303" pitchFamily="18" charset="0"/>
-            </a:endParaRPr>
-          </a:p>
-          <a:p>
-            <a:pPr defTabSz="914468" eaLnBrk="0" fontAlgn="base" hangingPunct="0">
-              <a:spcBef>
-                <a:spcPct val="0"/>
-              </a:spcBef>
-              <a:spcAft>
-                <a:spcPct val="0"/>
-              </a:spcAft>
-            </a:pPr>
-            <a:endParaRPr lang="en-US" altLang="en-US" sz="3601" dirty="0">
-              <a:latin typeface="Georgia" panose="02040502050405020303" pitchFamily="18" charset="0"/>
-            </a:endParaRPr>
-          </a:p>
-          <a:p>
-            <a:pPr defTabSz="914468" eaLnBrk="0" fontAlgn="base" hangingPunct="0">
-              <a:spcBef>
-                <a:spcPct val="0"/>
-              </a:spcBef>
-              <a:spcAft>
-                <a:spcPct val="0"/>
-              </a:spcAft>
-            </a:pPr>
-            <a:r>
-              <a:rPr lang="en-US" altLang="en-US" sz="3601" dirty="0">
-                <a:latin typeface="Georgia" panose="02040502050405020303" pitchFamily="18" charset="0"/>
-              </a:rPr>
-              <a:t>Dichotomy vs Continuum</a:t>
-            </a:r>
-          </a:p>
-        </p:txBody>
-      </p:sp>
-      <p:pic>
-        <p:nvPicPr>
-          <p:cNvPr id="1328" name="Picture 304">
+        </p:txBody>
+      </p:sp>
+      <p:sp>
+        <p:nvSpPr>
+          <p:cNvPr id="6" name="TextBox 5">
             <a:extLst>
               <a:ext uri="{FF2B5EF4-FFF2-40B4-BE49-F238E27FC236}">
-                <a16:creationId xmlns:a16="http://schemas.microsoft.com/office/drawing/2014/main" id="{CD7571C3-B6E2-B4D7-B5D4-F3B13F4CCA21}"/>
+                <a16:creationId xmlns:a16="http://schemas.microsoft.com/office/drawing/2014/main" id="{CC13753A-0E48-5949-9703-0B5CECD18DA4}"/>
               </a:ext>
             </a:extLst>
           </p:cNvPr>
-          <p:cNvPicPr>
-            <a:picLocks noChangeAspect="1" noChangeArrowheads="1"/>
-          </p:cNvPicPr>
+          <p:cNvSpPr txBox="1"/>
           <p:nvPr/>
-        </p:nvPicPr>
-        <p:blipFill>
-          <a:blip r:embed="rId3">
+        </p:nvSpPr>
+        <p:spPr>
+          <a:xfrm>
+            <a:off x="779560" y="18998544"/>
+            <a:ext cx="6604818" cy="1446550"/>
+          </a:xfrm>
+          <a:prstGeom prst="rect">
+            <a:avLst/>
+          </a:prstGeom>
+          <a:noFill/>
+        </p:spPr>
+        <p:txBody>
+          <a:bodyPr wrap="square" rtlCol="0">
+            <a:spAutoFit/>
+          </a:bodyPr>
+          <a:lstStyle/>
+          <a:p>
+            <a:r>
+              <a:rPr lang="en-US" sz="4400" dirty="0">
+                <a:latin typeface="Franklin Gothic Book" panose="020B0503020102020204" pitchFamily="34" charset="0"/>
+              </a:rPr>
+              <a:t>Large lesions visible in the left hemisphere.</a:t>
+            </a:r>
+          </a:p>
+        </p:txBody>
+      </p:sp>
+      <p:sp>
+        <p:nvSpPr>
+          <p:cNvPr id="18" name="TextBox 17">
             <a:extLst>
-              <a:ext uri="{28A0092B-C50C-407E-A947-70E740481C1C}">
-                <a14:useLocalDpi xmlns:a14="http://schemas.microsoft.com/office/drawing/2010/main" val="0"/>
+              <a:ext uri="{FF2B5EF4-FFF2-40B4-BE49-F238E27FC236}">
+                <a16:creationId xmlns:a16="http://schemas.microsoft.com/office/drawing/2014/main" id="{7DB8F0F6-A2A7-1947-A798-235725859724}"/>
               </a:ext>
             </a:extLst>
-          </a:blip>
-          <a:srcRect/>
-          <a:stretch>
-            <a:fillRect/>
-          </a:stretch>
-        </p:blipFill>
+          </p:cNvPr>
+          <p:cNvSpPr txBox="1"/>
+          <p:nvPr/>
+        </p:nvSpPr>
+        <p:spPr>
+          <a:xfrm>
+            <a:off x="7613904" y="14108959"/>
+            <a:ext cx="8737600" cy="769441"/>
+          </a:xfrm>
+          <a:prstGeom prst="rect">
+            <a:avLst/>
+          </a:prstGeom>
+          <a:noFill/>
+        </p:spPr>
+        <p:txBody>
+          <a:bodyPr wrap="square" rtlCol="0">
+            <a:spAutoFit/>
+          </a:bodyPr>
+          <a:lstStyle/>
+          <a:p>
+            <a:r>
+              <a:rPr lang="en-US" sz="4400" dirty="0">
+                <a:latin typeface="Franklin Gothic Book" panose="020B0503020102020204" pitchFamily="34" charset="0"/>
+              </a:rPr>
+              <a:t>Production Accuracy</a:t>
+            </a:r>
+          </a:p>
+        </p:txBody>
+      </p:sp>
+      <p:sp>
+        <p:nvSpPr>
+          <p:cNvPr id="35" name="TextBox 34">
+            <a:extLst>
+              <a:ext uri="{FF2B5EF4-FFF2-40B4-BE49-F238E27FC236}">
+                <a16:creationId xmlns:a16="http://schemas.microsoft.com/office/drawing/2014/main" id="{1B28E5B2-CE12-AD4A-88B1-4817575265C2}"/>
+              </a:ext>
+            </a:extLst>
+          </p:cNvPr>
+          <p:cNvSpPr txBox="1"/>
+          <p:nvPr/>
+        </p:nvSpPr>
+        <p:spPr>
+          <a:xfrm>
+            <a:off x="15217257" y="23069331"/>
+            <a:ext cx="12314619" cy="2800767"/>
+          </a:xfrm>
+          <a:prstGeom prst="rect">
+            <a:avLst/>
+          </a:prstGeom>
+          <a:noFill/>
+        </p:spPr>
+        <p:txBody>
+          <a:bodyPr wrap="square" rtlCol="0">
+            <a:spAutoFit/>
+          </a:bodyPr>
+          <a:lstStyle/>
+          <a:p>
+            <a:r>
+              <a:rPr lang="en-US" sz="4400" dirty="0">
+                <a:solidFill>
+                  <a:srgbClr val="7030A0"/>
+                </a:solidFill>
+                <a:latin typeface="Franklin Gothic Book" panose="020B0503020102020204" pitchFamily="34" charset="0"/>
+              </a:rPr>
+              <a:t>The data</a:t>
+            </a:r>
+            <a:r>
+              <a:rPr lang="en-US" sz="4400" dirty="0">
+                <a:latin typeface="Franklin Gothic Book" panose="020B0503020102020204" pitchFamily="34" charset="0"/>
+              </a:rPr>
+              <a:t>: Italian phonology data from </a:t>
+            </a:r>
+            <a:r>
+              <a:rPr lang="en-US" sz="4400" dirty="0" err="1">
+                <a:latin typeface="Franklin Gothic Book" panose="020B0503020102020204" pitchFamily="34" charset="0"/>
+              </a:rPr>
+              <a:t>PhonItalia</a:t>
+            </a:r>
+            <a:r>
+              <a:rPr lang="en-US" sz="4400" dirty="0">
+                <a:latin typeface="Franklin Gothic Book" panose="020B0503020102020204" pitchFamily="34" charset="0"/>
+              </a:rPr>
+              <a:t> [4], morpheme data from </a:t>
+            </a:r>
+            <a:r>
+              <a:rPr lang="en-US" sz="4400" dirty="0" err="1">
+                <a:latin typeface="Franklin Gothic Book" panose="020B0503020102020204" pitchFamily="34" charset="0"/>
+              </a:rPr>
+              <a:t>spaCy</a:t>
+            </a:r>
+            <a:r>
+              <a:rPr lang="en-US" sz="4400" dirty="0">
+                <a:latin typeface="Franklin Gothic Book" panose="020B0503020102020204" pitchFamily="34" charset="0"/>
+              </a:rPr>
+              <a:t> and </a:t>
+            </a:r>
+            <a:r>
+              <a:rPr lang="en-US" sz="4400" dirty="0" err="1">
+                <a:latin typeface="Franklin Gothic Book" panose="020B0503020102020204" pitchFamily="34" charset="0"/>
+              </a:rPr>
+              <a:t>nltk</a:t>
+            </a:r>
+            <a:endParaRPr lang="en-US" sz="4400" dirty="0">
+              <a:latin typeface="Franklin Gothic Book" panose="020B0503020102020204" pitchFamily="34" charset="0"/>
+            </a:endParaRPr>
+          </a:p>
+          <a:p>
+            <a:r>
+              <a:rPr lang="en-US" sz="4400" dirty="0">
+                <a:solidFill>
+                  <a:srgbClr val="7030A0"/>
+                </a:solidFill>
+                <a:latin typeface="Franklin Gothic Book" panose="020B0503020102020204" pitchFamily="34" charset="0"/>
+              </a:rPr>
+              <a:t>The model</a:t>
+            </a:r>
+            <a:r>
+              <a:rPr lang="en-US" sz="4400" dirty="0">
+                <a:latin typeface="Franklin Gothic Book" panose="020B0503020102020204" pitchFamily="34" charset="0"/>
+              </a:rPr>
+              <a:t>: Encoder-Decoder architecture, originally designed for translation [5]</a:t>
+            </a:r>
+          </a:p>
+        </p:txBody>
+      </p:sp>
+      <p:sp>
+        <p:nvSpPr>
+          <p:cNvPr id="1252" name="Text Box 306">
+            <a:extLst>
+              <a:ext uri="{FF2B5EF4-FFF2-40B4-BE49-F238E27FC236}">
+                <a16:creationId xmlns:a16="http://schemas.microsoft.com/office/drawing/2014/main" id="{3F905465-5647-2655-3242-0E442A1952A0}"/>
+              </a:ext>
+            </a:extLst>
+          </p:cNvPr>
+          <p:cNvSpPr txBox="1">
+            <a:spLocks noChangeArrowheads="1"/>
+          </p:cNvSpPr>
+          <p:nvPr/>
+        </p:nvSpPr>
         <p:spPr bwMode="auto">
           <a:xfrm>
-            <a:off x="415637" y="28012304"/>
-            <a:ext cx="4572001" cy="4572000"/>
+            <a:off x="28405100" y="16632375"/>
+            <a:ext cx="12319099" cy="9151189"/>
           </a:xfrm>
           <a:prstGeom prst="rect">
             <a:avLst/>
@@ -4631,13 +4400,69 @@
             </a:ext>
           </a:extLst>
         </p:spPr>
-      </p:pic>
-      <p:sp>
-        <p:nvSpPr>
-          <p:cNvPr id="1251" name="Text Box 305">
+        <p:txBody>
+          <a:bodyPr vert="horz" wrap="square" lIns="36576" tIns="36576" rIns="36576" bIns="36576" numCol="1" anchor="t" anchorCtr="0" compatLnSpc="1">
+            <a:prstTxWarp prst="textNoShape">
+              <a:avLst/>
+            </a:prstTxWarp>
+          </a:bodyPr>
+          <a:lstStyle/>
+          <a:p>
+            <a:pPr defTabSz="914468" eaLnBrk="0" fontAlgn="base" hangingPunct="0">
+              <a:spcBef>
+                <a:spcPct val="0"/>
+              </a:spcBef>
+            </a:pPr>
+            <a:r>
+              <a:rPr lang="en-US" altLang="en-US" sz="4800" dirty="0">
+                <a:solidFill>
+                  <a:srgbClr val="7A306C"/>
+                </a:solidFill>
+                <a:latin typeface="Franklin Gothic Medium" panose="020B0603020102020204" pitchFamily="34" charset="0"/>
+              </a:rPr>
+              <a:t>Lesioning</a:t>
+            </a:r>
+          </a:p>
+          <a:p>
+            <a:pPr defTabSz="914468" eaLnBrk="0" fontAlgn="base" hangingPunct="0">
+              <a:spcBef>
+                <a:spcPct val="0"/>
+              </a:spcBef>
+              <a:spcAft>
+                <a:spcPts val="2500"/>
+              </a:spcAft>
+            </a:pPr>
+            <a:r>
+              <a:rPr lang="en-US" altLang="en-US" sz="4400" dirty="0">
+                <a:latin typeface="Franklin Gothic Book" panose="020B0503020102020204" pitchFamily="34" charset="0"/>
+              </a:rPr>
+              <a:t>To model agrammatic aphasia, we randomly set some proportion of the model’s weights to 0. </a:t>
+            </a:r>
+          </a:p>
+          <a:p>
+            <a:pPr defTabSz="914468" eaLnBrk="0" fontAlgn="base" hangingPunct="0">
+              <a:spcBef>
+                <a:spcPct val="0"/>
+              </a:spcBef>
+              <a:spcAft>
+                <a:spcPts val="2500"/>
+              </a:spcAft>
+            </a:pPr>
+            <a:endParaRPr lang="en-US" altLang="en-US" sz="4800" dirty="0">
+              <a:solidFill>
+                <a:srgbClr val="7A306C"/>
+              </a:solidFill>
+              <a:latin typeface="Franklin Gothic Medium" panose="020B0603020102020204" pitchFamily="34" charset="0"/>
+            </a:endParaRPr>
+          </a:p>
+        </p:txBody>
+      </p:sp>
+      <p:sp>
+        <p:nvSpPr>
+          <p:cNvPr id="48" name="Text Box 302">
             <a:extLst>
               <a:ext uri="{FF2B5EF4-FFF2-40B4-BE49-F238E27FC236}">
-                <a16:creationId xmlns:a16="http://schemas.microsoft.com/office/drawing/2014/main" id="{8ED9FE9A-B6CC-63BE-BB50-7E6DBDABD1E0}"/>
+                <a16:creationId xmlns:a16="http://schemas.microsoft.com/office/drawing/2014/main" id="{6147BBEC-913D-AC46-A8B6-672ABCB48FAB}"/>
               </a:ext>
             </a:extLst>
           </p:cNvPr>
@@ -4648,27 +4473,22 @@
         </p:nvSpPr>
         <p:spPr bwMode="auto">
           <a:xfrm>
-            <a:off x="872837" y="27542405"/>
-            <a:ext cx="3689350" cy="1162050"/>
+            <a:off x="12331774" y="22182671"/>
+            <a:ext cx="14223018" cy="900786"/>
           </a:xfrm>
           <a:prstGeom prst="rect">
             <a:avLst/>
           </a:prstGeom>
-          <a:noFill/>
+          <a:solidFill>
+            <a:srgbClr val="FFFFFF"/>
+          </a:solidFill>
           <a:ln>
             <a:noFill/>
           </a:ln>
           <a:effectLst/>
           <a:extLst>
-            <a:ext uri="{909E8E84-426E-40DD-AFC4-6F175D3DCCD1}">
-              <a14:hiddenFill xmlns:a14="http://schemas.microsoft.com/office/drawing/2010/main">
-                <a:solidFill>
-                  <a:srgbClr val="33714B"/>
-                </a:solidFill>
-              </a14:hiddenFill>
-            </a:ext>
             <a:ext uri="{91240B29-F687-4F45-9708-019B960494DF}">
-              <a14:hiddenLine xmlns:a14="http://schemas.microsoft.com/office/drawing/2010/main" w="25400" algn="ctr">
+              <a14:hiddenLine xmlns:a14="http://schemas.microsoft.com/office/drawing/2010/main" w="31750" algn="ctr">
                 <a:solidFill>
                   <a:srgbClr val="000000"/>
                 </a:solidFill>
@@ -4681,7 +4501,7 @@
               <a14:hiddenEffects xmlns:a14="http://schemas.microsoft.com/office/drawing/2010/main">
                 <a:effectLst>
                   <a:outerShdw dist="35921" dir="2700000" algn="ctr" rotWithShape="0">
-                    <a:srgbClr val="000000"/>
+                    <a:srgbClr val="868686"/>
                   </a:outerShdw>
                 </a:effectLst>
               </a14:hiddenEffects>
@@ -4696,93 +4516,6 @@
           </a:bodyPr>
           <a:lstStyle/>
           <a:p>
-            <a:pPr algn="ctr" defTabSz="914468" eaLnBrk="0" fontAlgn="base" hangingPunct="0">
-              <a:spcBef>
-                <a:spcPct val="0"/>
-              </a:spcBef>
-              <a:spcAft>
-                <a:spcPct val="0"/>
-              </a:spcAft>
-            </a:pPr>
-            <a:r>
-              <a:rPr lang="en-US" altLang="en-US" sz="4800" i="1" dirty="0">
-                <a:solidFill>
-                  <a:srgbClr val="7A306C"/>
-                </a:solidFill>
-                <a:latin typeface="Georgia" panose="02040502050405020303" pitchFamily="18" charset="0"/>
-              </a:rPr>
-              <a:t>Full Paper:</a:t>
-            </a:r>
-            <a:endParaRPr lang="en-US" altLang="en-US" dirty="0">
-              <a:latin typeface="Arial" panose="020B0604020202020204" pitchFamily="34" charset="0"/>
-            </a:endParaRPr>
-          </a:p>
-        </p:txBody>
-      </p:sp>
-      <p:sp>
-        <p:nvSpPr>
-          <p:cNvPr id="1252" name="Text Box 306">
-            <a:extLst>
-              <a:ext uri="{FF2B5EF4-FFF2-40B4-BE49-F238E27FC236}">
-                <a16:creationId xmlns:a16="http://schemas.microsoft.com/office/drawing/2014/main" id="{3F905465-5647-2655-3242-0E442A1952A0}"/>
-              </a:ext>
-            </a:extLst>
-          </p:cNvPr>
-          <p:cNvSpPr txBox="1">
-            <a:spLocks noChangeArrowheads="1"/>
-          </p:cNvSpPr>
-          <p:nvPr/>
-        </p:nvSpPr>
-        <p:spPr bwMode="auto">
-          <a:xfrm>
-            <a:off x="12760038" y="14696174"/>
-            <a:ext cx="12319099" cy="9151189"/>
-          </a:xfrm>
-          <a:prstGeom prst="rect">
-            <a:avLst/>
-          </a:prstGeom>
-          <a:noFill/>
-          <a:ln>
-            <a:noFill/>
-          </a:ln>
-          <a:effectLst/>
-          <a:extLst>
-            <a:ext uri="{909E8E84-426E-40DD-AFC4-6F175D3DCCD1}">
-              <a14:hiddenFill xmlns:a14="http://schemas.microsoft.com/office/drawing/2010/main">
-                <a:solidFill>
-                  <a:srgbClr val="33714B"/>
-                </a:solidFill>
-              </a14:hiddenFill>
-            </a:ext>
-            <a:ext uri="{91240B29-F687-4F45-9708-019B960494DF}">
-              <a14:hiddenLine xmlns:a14="http://schemas.microsoft.com/office/drawing/2010/main" w="25400" algn="ctr">
-                <a:solidFill>
-                  <a:srgbClr val="000000"/>
-                </a:solidFill>
-                <a:miter lim="800000"/>
-                <a:headEnd/>
-                <a:tailEnd/>
-              </a14:hiddenLine>
-            </a:ext>
-            <a:ext uri="{AF507438-7753-43E0-B8FC-AC1667EBCBE1}">
-              <a14:hiddenEffects xmlns:a14="http://schemas.microsoft.com/office/drawing/2010/main">
-                <a:effectLst>
-                  <a:outerShdw dist="35921" dir="2700000" algn="ctr" rotWithShape="0">
-                    <a:srgbClr val="000000"/>
-                  </a:outerShdw>
-                </a:effectLst>
-              </a14:hiddenEffects>
-            </a:ext>
-          </a:extLst>
-        </p:spPr>
-        <p:txBody>
-          <a:bodyPr vert="horz" wrap="square" lIns="36576" tIns="36576" rIns="36576" bIns="36576" numCol="1" anchor="t" anchorCtr="0" compatLnSpc="1">
-            <a:prstTxWarp prst="textNoShape">
-              <a:avLst/>
-            </a:prstTxWarp>
-          </a:bodyPr>
-          <a:lstStyle/>
-          <a:p>
             <a:pPr defTabSz="914468" eaLnBrk="0" fontAlgn="base" hangingPunct="0">
               <a:spcBef>
                 <a:spcPct val="0"/>
@@ -4794,12 +4527,15 @@
             <a:r>
               <a:rPr lang="en-US" altLang="en-US" sz="4800" dirty="0">
                 <a:solidFill>
-                  <a:srgbClr val="7A306C"/>
+                  <a:srgbClr val="7030A0"/>
                 </a:solidFill>
                 <a:latin typeface="Franklin Gothic Medium" panose="020B0603020102020204" pitchFamily="34" charset="0"/>
               </a:rPr>
-              <a:t>Lesioning</a:t>
-            </a:r>
+              <a:t>The Encoder-Decoder</a:t>
+            </a:r>
+            <a:endParaRPr lang="en-US" altLang="en-US" sz="6600" dirty="0">
+              <a:latin typeface="Franklin Gothic Book" panose="020B0503020102020204" pitchFamily="34" charset="0"/>
+            </a:endParaRPr>
           </a:p>
         </p:txBody>
       </p:sp>
@@ -4831,8 +4567,406 @@
         </p:blipFill>
         <p:spPr>
           <a:xfrm>
-            <a:off x="12424385" y="15913824"/>
-            <a:ext cx="13137252" cy="5894582"/>
+            <a:off x="28195496" y="19138682"/>
+            <a:ext cx="13874218" cy="6225253"/>
+          </a:xfrm>
+          <a:prstGeom prst="rect">
+            <a:avLst/>
+          </a:prstGeom>
+        </p:spPr>
+      </p:pic>
+      <p:sp>
+        <p:nvSpPr>
+          <p:cNvPr id="36" name="TextBox 35">
+            <a:extLst>
+              <a:ext uri="{FF2B5EF4-FFF2-40B4-BE49-F238E27FC236}">
+                <a16:creationId xmlns:a16="http://schemas.microsoft.com/office/drawing/2014/main" id="{71D5BA9B-EF4B-014E-8604-6BD90CDBF565}"/>
+              </a:ext>
+            </a:extLst>
+          </p:cNvPr>
+          <p:cNvSpPr txBox="1"/>
+          <p:nvPr/>
+        </p:nvSpPr>
+        <p:spPr>
+          <a:xfrm>
+            <a:off x="19556385" y="25962232"/>
+            <a:ext cx="8696261" cy="4154984"/>
+          </a:xfrm>
+          <a:prstGeom prst="rect">
+            <a:avLst/>
+          </a:prstGeom>
+          <a:noFill/>
+        </p:spPr>
+        <p:txBody>
+          <a:bodyPr wrap="square" rtlCol="0">
+            <a:spAutoFit/>
+          </a:bodyPr>
+          <a:lstStyle/>
+          <a:p>
+            <a:r>
+              <a:rPr lang="en-US" sz="4400" dirty="0">
+                <a:solidFill>
+                  <a:srgbClr val="7030A0"/>
+                </a:solidFill>
+                <a:latin typeface="Franklin Gothic Book" panose="020B0503020102020204" pitchFamily="34" charset="0"/>
+              </a:rPr>
+              <a:t>The training: </a:t>
+            </a:r>
+            <a:r>
+              <a:rPr lang="en-US" sz="4400" dirty="0">
+                <a:latin typeface="Franklin Gothic Book" panose="020B0503020102020204" pitchFamily="34" charset="0"/>
+              </a:rPr>
+              <a:t>Use perplexity sampling to focus on least-confident inputs</a:t>
+            </a:r>
+            <a:endParaRPr lang="en-US" sz="4400" dirty="0">
+              <a:solidFill>
+                <a:srgbClr val="7030A0"/>
+              </a:solidFill>
+              <a:latin typeface="Franklin Gothic Book" panose="020B0503020102020204" pitchFamily="34" charset="0"/>
+            </a:endParaRPr>
+          </a:p>
+          <a:p>
+            <a:r>
+              <a:rPr lang="en-US" sz="4400" dirty="0">
+                <a:solidFill>
+                  <a:srgbClr val="7030A0"/>
+                </a:solidFill>
+                <a:latin typeface="Franklin Gothic Book" panose="020B0503020102020204" pitchFamily="34" charset="0"/>
+              </a:rPr>
+              <a:t>The testing</a:t>
+            </a:r>
+            <a:r>
+              <a:rPr lang="en-US" sz="4400" dirty="0">
+                <a:latin typeface="Franklin Gothic Book" panose="020B0503020102020204" pitchFamily="34" charset="0"/>
+              </a:rPr>
+              <a:t>: Lesion the model at 5%</a:t>
+            </a:r>
+          </a:p>
+          <a:p>
+            <a:r>
+              <a:rPr lang="en-US" sz="4400" dirty="0">
+                <a:latin typeface="Franklin Gothic Book" panose="020B0503020102020204" pitchFamily="34" charset="0"/>
+              </a:rPr>
+              <a:t>increments, test on a subset of the training verbs</a:t>
+            </a:r>
+          </a:p>
+        </p:txBody>
+      </p:sp>
+      <p:graphicFrame>
+        <p:nvGraphicFramePr>
+          <p:cNvPr id="43" name="Table 42">
+            <a:extLst>
+              <a:ext uri="{FF2B5EF4-FFF2-40B4-BE49-F238E27FC236}">
+                <a16:creationId xmlns:a16="http://schemas.microsoft.com/office/drawing/2014/main" id="{E32917EC-5CAA-0A43-830D-994FB866B9A8}"/>
+              </a:ext>
+            </a:extLst>
+          </p:cNvPr>
+          <p:cNvGraphicFramePr>
+            <a:graphicFrameLocks noGrp="1"/>
+          </p:cNvGraphicFramePr>
+          <p:nvPr>
+            <p:extLst>
+              <p:ext uri="{D42A27DB-BD31-4B8C-83A1-F6EECF244321}">
+                <p14:modId xmlns:p14="http://schemas.microsoft.com/office/powerpoint/2010/main" val="2153055374"/>
+              </p:ext>
+            </p:extLst>
+          </p:nvPr>
+        </p:nvGraphicFramePr>
+        <p:xfrm>
+          <a:off x="971222" y="7752967"/>
+          <a:ext cx="5041638" cy="1524000"/>
+        </p:xfrm>
+        <a:graphic>
+          <a:graphicData uri="http://schemas.openxmlformats.org/drawingml/2006/table">
+            <a:tbl>
+              <a:tblPr firstRow="1" bandRow="1">
+                <a:tableStyleId>{8799B23B-EC83-4686-B30A-512413B5E67A}</a:tableStyleId>
+              </a:tblPr>
+              <a:tblGrid>
+                <a:gridCol w="2520819">
+                  <a:extLst>
+                    <a:ext uri="{9D8B030D-6E8A-4147-A177-3AD203B41FA5}">
+                      <a16:colId xmlns:a16="http://schemas.microsoft.com/office/drawing/2014/main" val="4148910287"/>
+                    </a:ext>
+                  </a:extLst>
+                </a:gridCol>
+                <a:gridCol w="2520819">
+                  <a:extLst>
+                    <a:ext uri="{9D8B030D-6E8A-4147-A177-3AD203B41FA5}">
+                      <a16:colId xmlns:a16="http://schemas.microsoft.com/office/drawing/2014/main" val="1652140887"/>
+                    </a:ext>
+                  </a:extLst>
+                </a:gridCol>
+              </a:tblGrid>
+              <a:tr h="370840">
+                <a:tc>
+                  <a:txBody>
+                    <a:bodyPr/>
+                    <a:lstStyle/>
+                    <a:p>
+                      <a:pPr algn="ctr"/>
+                      <a:r>
+                        <a:rPr lang="en-US" sz="4400" b="0" dirty="0"/>
+                        <a:t>"walked"</a:t>
+                      </a:r>
+                      <a:endParaRPr lang="en-US" sz="4400" b="0" i="0" dirty="0">
+                        <a:latin typeface="Franklin Gothic Book" panose="020B0503020102020204" pitchFamily="34" charset="0"/>
+                      </a:endParaRPr>
+                    </a:p>
+                  </a:txBody>
+                  <a:tcPr/>
+                </a:tc>
+                <a:tc>
+                  <a:txBody>
+                    <a:bodyPr/>
+                    <a:lstStyle/>
+                    <a:p>
+                      <a:pPr algn="ctr"/>
+                      <a:r>
+                        <a:rPr lang="en-US" sz="4400" b="0" dirty="0"/>
+                        <a:t>walk</a:t>
+                      </a:r>
+                      <a:r>
+                        <a:rPr lang="en-US" sz="4400" b="0" dirty="0">
+                          <a:solidFill>
+                            <a:srgbClr val="D1885C"/>
+                          </a:solidFill>
+                        </a:rPr>
+                        <a:t>ed</a:t>
+                      </a:r>
+                      <a:endParaRPr lang="en-US" sz="4400" b="0" i="0" dirty="0">
+                        <a:solidFill>
+                          <a:srgbClr val="D1885C"/>
+                        </a:solidFill>
+                        <a:latin typeface="Franklin Gothic Book" panose="020B0503020102020204" pitchFamily="34" charset="0"/>
+                      </a:endParaRPr>
+                    </a:p>
+                  </a:txBody>
+                  <a:tcPr/>
+                </a:tc>
+                <a:extLst>
+                  <a:ext uri="{0D108BD9-81ED-4DB2-BD59-A6C34878D82A}">
+                    <a16:rowId xmlns:a16="http://schemas.microsoft.com/office/drawing/2014/main" val="3797055893"/>
+                  </a:ext>
+                </a:extLst>
+              </a:tr>
+              <a:tr h="370840">
+                <a:tc>
+                  <a:txBody>
+                    <a:bodyPr/>
+                    <a:lstStyle/>
+                    <a:p>
+                      <a:pPr algn="ctr"/>
+                      <a:r>
+                        <a:rPr lang="en-US" sz="4400" dirty="0"/>
+                        <a:t>"chairs"</a:t>
+                      </a:r>
+                      <a:endParaRPr lang="en-US" sz="4400" b="0" i="0" dirty="0">
+                        <a:latin typeface="Franklin Gothic Book" panose="020B0503020102020204" pitchFamily="34" charset="0"/>
+                      </a:endParaRPr>
+                    </a:p>
+                  </a:txBody>
+                  <a:tcPr/>
+                </a:tc>
+                <a:tc>
+                  <a:txBody>
+                    <a:bodyPr/>
+                    <a:lstStyle/>
+                    <a:p>
+                      <a:pPr algn="ctr"/>
+                      <a:r>
+                        <a:rPr lang="en-US" sz="4400" dirty="0"/>
+                        <a:t>chair</a:t>
+                      </a:r>
+                      <a:r>
+                        <a:rPr lang="en-US" sz="4400" dirty="0">
+                          <a:solidFill>
+                            <a:srgbClr val="D1885C"/>
+                          </a:solidFill>
+                        </a:rPr>
+                        <a:t>s</a:t>
+                      </a:r>
+                      <a:endParaRPr lang="en-US" sz="4400" b="0" i="0" dirty="0">
+                        <a:solidFill>
+                          <a:srgbClr val="D1885C"/>
+                        </a:solidFill>
+                        <a:latin typeface="Franklin Gothic Book" panose="020B0503020102020204" pitchFamily="34" charset="0"/>
+                      </a:endParaRPr>
+                    </a:p>
+                  </a:txBody>
+                  <a:tcPr/>
+                </a:tc>
+                <a:extLst>
+                  <a:ext uri="{0D108BD9-81ED-4DB2-BD59-A6C34878D82A}">
+                    <a16:rowId xmlns:a16="http://schemas.microsoft.com/office/drawing/2014/main" val="3354170093"/>
+                  </a:ext>
+                </a:extLst>
+              </a:tr>
+            </a:tbl>
+          </a:graphicData>
+        </a:graphic>
+      </p:graphicFrame>
+      <p:sp>
+        <p:nvSpPr>
+          <p:cNvPr id="52" name="TextBox 51">
+            <a:extLst>
+              <a:ext uri="{FF2B5EF4-FFF2-40B4-BE49-F238E27FC236}">
+                <a16:creationId xmlns:a16="http://schemas.microsoft.com/office/drawing/2014/main" id="{98B2DAE5-4D04-F048-9F88-6F9DA464A206}"/>
+              </a:ext>
+            </a:extLst>
+          </p:cNvPr>
+          <p:cNvSpPr txBox="1"/>
+          <p:nvPr/>
+        </p:nvSpPr>
+        <p:spPr>
+          <a:xfrm>
+            <a:off x="739567" y="20611437"/>
+            <a:ext cx="11592208" cy="3539430"/>
+          </a:xfrm>
+          <a:prstGeom prst="rect">
+            <a:avLst/>
+          </a:prstGeom>
+          <a:noFill/>
+        </p:spPr>
+        <p:txBody>
+          <a:bodyPr wrap="square" rtlCol="0">
+            <a:spAutoFit/>
+          </a:bodyPr>
+          <a:lstStyle/>
+          <a:p>
+            <a:r>
+              <a:rPr lang="en-US" sz="4800" dirty="0">
+                <a:solidFill>
+                  <a:srgbClr val="7030A0"/>
+                </a:solidFill>
+                <a:latin typeface="Franklin Gothic Medium" panose="020B0603020102020204" pitchFamily="34" charset="0"/>
+              </a:rPr>
+              <a:t>Traditional Explanation</a:t>
+            </a:r>
+          </a:p>
+          <a:p>
+            <a:r>
+              <a:rPr lang="en-US" sz="4400" dirty="0">
+                <a:latin typeface="Franklin Gothic Book" panose="020B0503020102020204" pitchFamily="34" charset="0"/>
+              </a:rPr>
+              <a:t>Miceli &amp; </a:t>
+            </a:r>
+            <a:r>
+              <a:rPr lang="en-US" sz="4400" dirty="0" err="1">
+                <a:latin typeface="Franklin Gothic Book" panose="020B0503020102020204" pitchFamily="34" charset="0"/>
+              </a:rPr>
+              <a:t>Caramazza</a:t>
+            </a:r>
+            <a:r>
+              <a:rPr lang="en-US" sz="4400" dirty="0">
+                <a:latin typeface="Franklin Gothic Book" panose="020B0503020102020204" pitchFamily="34" charset="0"/>
+              </a:rPr>
+              <a:t> theorized two components that each controlled one type of morphology. F.S. would have a problem with one of these components.</a:t>
+            </a:r>
+          </a:p>
+        </p:txBody>
+      </p:sp>
+      <p:sp>
+        <p:nvSpPr>
+          <p:cNvPr id="1244" name="AutoShape 298">
+            <a:extLst>
+              <a:ext uri="{FF2B5EF4-FFF2-40B4-BE49-F238E27FC236}">
+                <a16:creationId xmlns:a16="http://schemas.microsoft.com/office/drawing/2014/main" id="{15A45004-A650-453E-BEA0-37510CF12DFB}"/>
+              </a:ext>
+            </a:extLst>
+          </p:cNvPr>
+          <p:cNvSpPr>
+            <a:spLocks noChangeArrowheads="1"/>
+          </p:cNvSpPr>
+          <p:nvPr/>
+        </p:nvSpPr>
+        <p:spPr bwMode="auto">
+          <a:xfrm>
+            <a:off x="28230547" y="13924070"/>
+            <a:ext cx="14223018" cy="2404952"/>
+          </a:xfrm>
+          <a:prstGeom prst="rect">
+            <a:avLst/>
+          </a:prstGeom>
+          <a:ln>
+            <a:headEnd/>
+            <a:tailEnd/>
+          </a:ln>
+        </p:spPr>
+        <p:style>
+          <a:lnRef idx="2">
+            <a:schemeClr val="accent6"/>
+          </a:lnRef>
+          <a:fillRef idx="1">
+            <a:schemeClr val="lt1"/>
+          </a:fillRef>
+          <a:effectRef idx="0">
+            <a:schemeClr val="accent6"/>
+          </a:effectRef>
+          <a:fontRef idx="minor">
+            <a:schemeClr val="dk1"/>
+          </a:fontRef>
+        </p:style>
+        <p:txBody>
+          <a:bodyPr vert="horz" wrap="square" lIns="457200" tIns="457200" rIns="457200" bIns="457200" numCol="1" anchor="t" anchorCtr="0" compatLnSpc="1">
+            <a:prstTxWarp prst="textNoShape">
+              <a:avLst/>
+            </a:prstTxWarp>
+          </a:bodyPr>
+          <a:lstStyle/>
+          <a:p>
+            <a:pPr algn="ctr" defTabSz="914468" eaLnBrk="0" fontAlgn="base" hangingPunct="0">
+              <a:spcBef>
+                <a:spcPct val="0"/>
+              </a:spcBef>
+              <a:spcAft>
+                <a:spcPct val="0"/>
+              </a:spcAft>
+            </a:pPr>
+            <a:r>
+              <a:rPr lang="en-US" altLang="en-US" sz="4400" dirty="0">
+                <a:solidFill>
+                  <a:srgbClr val="5C2451"/>
+                </a:solidFill>
+                <a:latin typeface="Franklin Gothic Book" panose="020B0503020102020204" pitchFamily="34" charset="0"/>
+              </a:rPr>
+              <a:t>Can lesioning a model with a single component explain the dissociation in the data of people with aphasia?</a:t>
+            </a:r>
+            <a:endParaRPr lang="en-US" altLang="en-US" sz="2000" dirty="0">
+              <a:latin typeface="Franklin Gothic Book" panose="020B0503020102020204" pitchFamily="34" charset="0"/>
+            </a:endParaRPr>
+          </a:p>
+        </p:txBody>
+      </p:sp>
+      <p:pic>
+        <p:nvPicPr>
+          <p:cNvPr id="49" name="Picture 48">
+            <a:extLst>
+              <a:ext uri="{FF2B5EF4-FFF2-40B4-BE49-F238E27FC236}">
+                <a16:creationId xmlns:a16="http://schemas.microsoft.com/office/drawing/2014/main" id="{B5F801AF-0155-CD4A-9C55-F09E1348C3FB}"/>
+              </a:ext>
+            </a:extLst>
+          </p:cNvPr>
+          <p:cNvPicPr>
+            <a:picLocks noChangeAspect="1"/>
+          </p:cNvPicPr>
+          <p:nvPr/>
+        </p:nvPicPr>
+        <p:blipFill rotWithShape="1">
+          <a:blip r:embed="rId5">
+            <a:extLst>
+              <a:ext uri="{28A0092B-C50C-407E-A947-70E740481C1C}">
+                <a14:useLocalDpi xmlns:a14="http://schemas.microsoft.com/office/drawing/2010/main" val="0"/>
+              </a:ext>
+            </a:extLst>
+          </a:blip>
+          <a:srcRect l="8390" t="5536" r="4993" b="9895"/>
+          <a:stretch/>
+        </p:blipFill>
+        <p:spPr>
+          <a:xfrm>
+            <a:off x="15028463" y="15168043"/>
+            <a:ext cx="9344891" cy="6234985"/>
           </a:xfrm>
           <a:prstGeom prst="rect">
             <a:avLst/>
@@ -4841,10 +4975,10 @@
       </p:pic>
       <p:pic>
         <p:nvPicPr>
-          <p:cNvPr id="5" name="Picture 4">
+          <p:cNvPr id="4" name="Picture 3">
             <a:extLst>
               <a:ext uri="{FF2B5EF4-FFF2-40B4-BE49-F238E27FC236}">
-                <a16:creationId xmlns:a16="http://schemas.microsoft.com/office/drawing/2014/main" id="{D73B8AAD-5D25-ED40-91E7-9B3B1CBDE911}"/>
+                <a16:creationId xmlns:a16="http://schemas.microsoft.com/office/drawing/2014/main" id="{FA776B39-B15E-D246-BB1C-FD1FA976DDE8}"/>
               </a:ext>
             </a:extLst>
           </p:cNvPr>
@@ -4854,7 +4988,191 @@
           <p:nvPr/>
         </p:nvPicPr>
         <p:blipFill>
-          <a:blip r:embed="rId5">
+          <a:blip r:embed="rId6"/>
+          <a:stretch>
+            <a:fillRect/>
+          </a:stretch>
+        </p:blipFill>
+        <p:spPr>
+          <a:xfrm>
+            <a:off x="12387543" y="23201272"/>
+            <a:ext cx="7113074" cy="8415021"/>
+          </a:xfrm>
+          <a:prstGeom prst="rect">
+            <a:avLst/>
+          </a:prstGeom>
+        </p:spPr>
+      </p:pic>
+      <p:graphicFrame>
+        <p:nvGraphicFramePr>
+          <p:cNvPr id="31" name="Table 30">
+            <a:extLst>
+              <a:ext uri="{FF2B5EF4-FFF2-40B4-BE49-F238E27FC236}">
+                <a16:creationId xmlns:a16="http://schemas.microsoft.com/office/drawing/2014/main" id="{46F7EB10-43E8-0443-A46D-2BDE3401F382}"/>
+              </a:ext>
+            </a:extLst>
+          </p:cNvPr>
+          <p:cNvGraphicFramePr>
+            <a:graphicFrameLocks noGrp="1"/>
+          </p:cNvGraphicFramePr>
+          <p:nvPr>
+            <p:extLst>
+              <p:ext uri="{D42A27DB-BD31-4B8C-83A1-F6EECF244321}">
+                <p14:modId xmlns:p14="http://schemas.microsoft.com/office/powerpoint/2010/main" val="3347983697"/>
+              </p:ext>
+            </p:extLst>
+          </p:nvPr>
+        </p:nvGraphicFramePr>
+        <p:xfrm>
+          <a:off x="6505958" y="7752967"/>
+          <a:ext cx="5041638" cy="1524000"/>
+        </p:xfrm>
+        <a:graphic>
+          <a:graphicData uri="http://schemas.openxmlformats.org/drawingml/2006/table">
+            <a:tbl>
+              <a:tblPr firstRow="1" bandRow="1">
+                <a:tableStyleId>{8799B23B-EC83-4686-B30A-512413B5E67A}</a:tableStyleId>
+              </a:tblPr>
+              <a:tblGrid>
+                <a:gridCol w="2520819">
+                  <a:extLst>
+                    <a:ext uri="{9D8B030D-6E8A-4147-A177-3AD203B41FA5}">
+                      <a16:colId xmlns:a16="http://schemas.microsoft.com/office/drawing/2014/main" val="4148910287"/>
+                    </a:ext>
+                  </a:extLst>
+                </a:gridCol>
+                <a:gridCol w="2520819">
+                  <a:extLst>
+                    <a:ext uri="{9D8B030D-6E8A-4147-A177-3AD203B41FA5}">
+                      <a16:colId xmlns:a16="http://schemas.microsoft.com/office/drawing/2014/main" val="1652140887"/>
+                    </a:ext>
+                  </a:extLst>
+                </a:gridCol>
+              </a:tblGrid>
+              <a:tr h="370840">
+                <a:tc>
+                  <a:txBody>
+                    <a:bodyPr/>
+                    <a:lstStyle/>
+                    <a:p>
+                      <a:pPr algn="ctr"/>
+                      <a:r>
+                        <a:rPr lang="en-US" sz="4400" b="0" dirty="0"/>
+                        <a:t>"painter"</a:t>
+                      </a:r>
+                      <a:endParaRPr lang="en-US" sz="4400" b="0" i="0" dirty="0">
+                        <a:latin typeface="Franklin Gothic Book" panose="020B0503020102020204" pitchFamily="34" charset="0"/>
+                      </a:endParaRPr>
+                    </a:p>
+                  </a:txBody>
+                  <a:tcPr/>
+                </a:tc>
+                <a:tc>
+                  <a:txBody>
+                    <a:bodyPr/>
+                    <a:lstStyle/>
+                    <a:p>
+                      <a:pPr algn="ctr"/>
+                      <a:r>
+                        <a:rPr lang="en-US" sz="4400" b="0" dirty="0"/>
+                        <a:t>paint</a:t>
+                      </a:r>
+                      <a:r>
+                        <a:rPr lang="en-US" sz="4400" b="0" dirty="0">
+                          <a:solidFill>
+                            <a:srgbClr val="5571AB"/>
+                          </a:solidFill>
+                        </a:rPr>
+                        <a:t>er</a:t>
+                      </a:r>
+                      <a:endParaRPr lang="en-US" sz="4400" b="0" i="0" dirty="0">
+                        <a:solidFill>
+                          <a:srgbClr val="5571AB"/>
+                        </a:solidFill>
+                        <a:latin typeface="Franklin Gothic Book" panose="020B0503020102020204" pitchFamily="34" charset="0"/>
+                      </a:endParaRPr>
+                    </a:p>
+                  </a:txBody>
+                  <a:tcPr/>
+                </a:tc>
+                <a:extLst>
+                  <a:ext uri="{0D108BD9-81ED-4DB2-BD59-A6C34878D82A}">
+                    <a16:rowId xmlns:a16="http://schemas.microsoft.com/office/drawing/2014/main" val="3797055893"/>
+                  </a:ext>
+                </a:extLst>
+              </a:tr>
+              <a:tr h="370840">
+                <a:tc>
+                  <a:txBody>
+                    <a:bodyPr/>
+                    <a:lstStyle/>
+                    <a:p>
+                      <a:pPr algn="ctr"/>
+                      <a:r>
+                        <a:rPr lang="en-US" sz="4400" dirty="0"/>
+                        <a:t>"redo"</a:t>
+                      </a:r>
+                      <a:endParaRPr lang="en-US" sz="4400" b="0" i="0" dirty="0">
+                        <a:latin typeface="Franklin Gothic Book" panose="020B0503020102020204" pitchFamily="34" charset="0"/>
+                      </a:endParaRPr>
+                    </a:p>
+                  </a:txBody>
+                  <a:tcPr/>
+                </a:tc>
+                <a:tc>
+                  <a:txBody>
+                    <a:bodyPr/>
+                    <a:lstStyle/>
+                    <a:p>
+                      <a:pPr algn="ctr"/>
+                      <a:r>
+                        <a:rPr lang="en-US" sz="4400" dirty="0">
+                          <a:solidFill>
+                            <a:srgbClr val="5571AB"/>
+                          </a:solidFill>
+                        </a:rPr>
+                        <a:t>re</a:t>
+                      </a:r>
+                      <a:r>
+                        <a:rPr lang="en-US" sz="4400" dirty="0"/>
+                        <a:t>do</a:t>
+                      </a:r>
+                      <a:endParaRPr lang="en-US" sz="4400" b="0" i="0" dirty="0">
+                        <a:solidFill>
+                          <a:srgbClr val="D1885C"/>
+                        </a:solidFill>
+                        <a:latin typeface="Franklin Gothic Book" panose="020B0503020102020204" pitchFamily="34" charset="0"/>
+                      </a:endParaRPr>
+                    </a:p>
+                  </a:txBody>
+                  <a:tcPr/>
+                </a:tc>
+                <a:extLst>
+                  <a:ext uri="{0D108BD9-81ED-4DB2-BD59-A6C34878D82A}">
+                    <a16:rowId xmlns:a16="http://schemas.microsoft.com/office/drawing/2014/main" val="3354170093"/>
+                  </a:ext>
+                </a:extLst>
+              </a:tr>
+            </a:tbl>
+          </a:graphicData>
+        </a:graphic>
+      </p:graphicFrame>
+      <p:pic>
+        <p:nvPicPr>
+          <p:cNvPr id="9" name="Picture 8">
+            <a:extLst>
+              <a:ext uri="{FF2B5EF4-FFF2-40B4-BE49-F238E27FC236}">
+                <a16:creationId xmlns:a16="http://schemas.microsoft.com/office/drawing/2014/main" id="{A3A988A8-EFEF-5B44-8DC0-302E8E0EBB47}"/>
+              </a:ext>
+            </a:extLst>
+          </p:cNvPr>
+          <p:cNvPicPr>
+            <a:picLocks noChangeAspect="1"/>
+          </p:cNvPicPr>
+          <p:nvPr/>
+        </p:nvPicPr>
+        <p:blipFill>
+          <a:blip r:embed="rId7">
             <a:extLst>
               <a:ext uri="{28A0092B-C50C-407E-A947-70E740481C1C}">
                 <a14:useLocalDpi xmlns:a14="http://schemas.microsoft.com/office/drawing/2010/main" val="0"/>
@@ -4867,8 +5185,8 @@
         </p:blipFill>
         <p:spPr>
           <a:xfrm>
-            <a:off x="1544350" y="21535362"/>
-            <a:ext cx="8623300" cy="5892800"/>
+            <a:off x="31656892" y="5642048"/>
+            <a:ext cx="9067307" cy="4895932"/>
           </a:xfrm>
           <a:prstGeom prst="rect">
             <a:avLst/>
@@ -4877,10 +5195,10 @@
       </p:pic>
       <p:pic>
         <p:nvPicPr>
-          <p:cNvPr id="7" name="Picture 6">
+          <p:cNvPr id="11" name="Picture 10">
             <a:extLst>
               <a:ext uri="{FF2B5EF4-FFF2-40B4-BE49-F238E27FC236}">
-                <a16:creationId xmlns:a16="http://schemas.microsoft.com/office/drawing/2014/main" id="{1403C721-5FD1-324B-9B9A-4259EEEF2EF1}"/>
+                <a16:creationId xmlns:a16="http://schemas.microsoft.com/office/drawing/2014/main" id="{15360C56-82B7-924B-B72E-D4917215B9DC}"/>
               </a:ext>
             </a:extLst>
           </p:cNvPr>
@@ -4890,7 +5208,7 @@
           <p:nvPr/>
         </p:nvPicPr>
         <p:blipFill>
-          <a:blip r:embed="rId6">
+          <a:blip r:embed="rId8">
             <a:extLst>
               <a:ext uri="{28A0092B-C50C-407E-A947-70E740481C1C}">
                 <a14:useLocalDpi xmlns:a14="http://schemas.microsoft.com/office/drawing/2010/main" val="0"/>
@@ -4903,8 +5221,392 @@
         </p:blipFill>
         <p:spPr>
           <a:xfrm>
-            <a:off x="1976666" y="16157650"/>
-            <a:ext cx="7758667" cy="5362608"/>
+            <a:off x="7348449" y="14876834"/>
+            <a:ext cx="5342618" cy="4121710"/>
+          </a:xfrm>
+          <a:prstGeom prst="rect">
+            <a:avLst/>
+          </a:prstGeom>
+        </p:spPr>
+      </p:pic>
+      <p:pic>
+        <p:nvPicPr>
+          <p:cNvPr id="12" name="Picture 11">
+            <a:extLst>
+              <a:ext uri="{FF2B5EF4-FFF2-40B4-BE49-F238E27FC236}">
+                <a16:creationId xmlns:a16="http://schemas.microsoft.com/office/drawing/2014/main" id="{2C963610-9CA2-6B42-B5B6-A2055DE844F0}"/>
+              </a:ext>
+            </a:extLst>
+          </p:cNvPr>
+          <p:cNvPicPr>
+            <a:picLocks noChangeAspect="1"/>
+          </p:cNvPicPr>
+          <p:nvPr/>
+        </p:nvPicPr>
+        <p:blipFill>
+          <a:blip r:embed="rId9"/>
+          <a:stretch>
+            <a:fillRect/>
+          </a:stretch>
+        </p:blipFill>
+        <p:spPr>
+          <a:xfrm>
+            <a:off x="1833525" y="24120987"/>
+            <a:ext cx="9344866" cy="2398761"/>
+          </a:xfrm>
+          <a:prstGeom prst="rect">
+            <a:avLst/>
+          </a:prstGeom>
+        </p:spPr>
+      </p:pic>
+      <p:pic>
+        <p:nvPicPr>
+          <p:cNvPr id="14" name="Picture 13">
+            <a:extLst>
+              <a:ext uri="{FF2B5EF4-FFF2-40B4-BE49-F238E27FC236}">
+                <a16:creationId xmlns:a16="http://schemas.microsoft.com/office/drawing/2014/main" id="{E6CB6404-43AF-8745-8051-D691E51410A6}"/>
+              </a:ext>
+            </a:extLst>
+          </p:cNvPr>
+          <p:cNvPicPr>
+            <a:picLocks noChangeAspect="1"/>
+          </p:cNvPicPr>
+          <p:nvPr/>
+        </p:nvPicPr>
+        <p:blipFill>
+          <a:blip r:embed="rId10">
+            <a:extLst>
+              <a:ext uri="{28A0092B-C50C-407E-A947-70E740481C1C}">
+                <a14:useLocalDpi xmlns:a14="http://schemas.microsoft.com/office/drawing/2010/main" val="0"/>
+              </a:ext>
+            </a:extLst>
+          </a:blip>
+          <a:stretch>
+            <a:fillRect/>
+          </a:stretch>
+        </p:blipFill>
+        <p:spPr>
+          <a:xfrm>
+            <a:off x="7384378" y="14840727"/>
+            <a:ext cx="5239060" cy="4084844"/>
+          </a:xfrm>
+          <a:prstGeom prst="rect">
+            <a:avLst/>
+          </a:prstGeom>
+        </p:spPr>
+      </p:pic>
+      <p:pic>
+        <p:nvPicPr>
+          <p:cNvPr id="15" name="Picture 14">
+            <a:extLst>
+              <a:ext uri="{FF2B5EF4-FFF2-40B4-BE49-F238E27FC236}">
+                <a16:creationId xmlns:a16="http://schemas.microsoft.com/office/drawing/2014/main" id="{ED158F1E-1B32-5F40-B8FE-0E5F45393A8A}"/>
+              </a:ext>
+            </a:extLst>
+          </p:cNvPr>
+          <p:cNvPicPr>
+            <a:picLocks noChangeAspect="1"/>
+          </p:cNvPicPr>
+          <p:nvPr/>
+        </p:nvPicPr>
+        <p:blipFill>
+          <a:blip r:embed="rId11"/>
+          <a:stretch>
+            <a:fillRect/>
+          </a:stretch>
+        </p:blipFill>
+        <p:spPr>
+          <a:xfrm>
+            <a:off x="12698637" y="7537116"/>
+            <a:ext cx="14223018" cy="4623906"/>
+          </a:xfrm>
+          <a:prstGeom prst="rect">
+            <a:avLst/>
+          </a:prstGeom>
+        </p:spPr>
+      </p:pic>
+      <p:pic>
+        <p:nvPicPr>
+          <p:cNvPr id="20" name="Picture 19">
+            <a:extLst>
+              <a:ext uri="{FF2B5EF4-FFF2-40B4-BE49-F238E27FC236}">
+                <a16:creationId xmlns:a16="http://schemas.microsoft.com/office/drawing/2014/main" id="{6F3F622A-13A4-784E-A7A8-F3B6C0CE3C60}"/>
+              </a:ext>
+            </a:extLst>
+          </p:cNvPr>
+          <p:cNvPicPr>
+            <a:picLocks noChangeAspect="1"/>
+          </p:cNvPicPr>
+          <p:nvPr/>
+        </p:nvPicPr>
+        <p:blipFill>
+          <a:blip r:embed="rId12">
+            <a:extLst>
+              <a:ext uri="{28A0092B-C50C-407E-A947-70E740481C1C}">
+                <a14:useLocalDpi xmlns:a14="http://schemas.microsoft.com/office/drawing/2010/main" val="0"/>
+              </a:ext>
+            </a:extLst>
+          </a:blip>
+          <a:stretch>
+            <a:fillRect/>
+          </a:stretch>
+        </p:blipFill>
+        <p:spPr>
+          <a:xfrm>
+            <a:off x="827898" y="28636351"/>
+            <a:ext cx="3734289" cy="3734289"/>
+          </a:xfrm>
+          <a:prstGeom prst="rect">
+            <a:avLst/>
+          </a:prstGeom>
+        </p:spPr>
+      </p:pic>
+      <p:sp>
+        <p:nvSpPr>
+          <p:cNvPr id="21" name="TextBox 20">
+            <a:extLst>
+              <a:ext uri="{FF2B5EF4-FFF2-40B4-BE49-F238E27FC236}">
+                <a16:creationId xmlns:a16="http://schemas.microsoft.com/office/drawing/2014/main" id="{EC7F0A67-F3E6-F745-BBCC-98C4545618FC}"/>
+              </a:ext>
+            </a:extLst>
+          </p:cNvPr>
+          <p:cNvSpPr txBox="1"/>
+          <p:nvPr/>
+        </p:nvSpPr>
+        <p:spPr>
+          <a:xfrm>
+            <a:off x="18529543" y="21403028"/>
+            <a:ext cx="2757177" cy="769441"/>
+          </a:xfrm>
+          <a:prstGeom prst="rect">
+            <a:avLst/>
+          </a:prstGeom>
+          <a:noFill/>
+        </p:spPr>
+        <p:txBody>
+          <a:bodyPr wrap="square" rtlCol="0">
+            <a:noAutofit/>
+          </a:bodyPr>
+          <a:lstStyle/>
+          <a:p>
+            <a:r>
+              <a:rPr lang="el-GR" sz="4400" dirty="0">
+                <a:latin typeface="Franklin Gothic Book" panose="020B0503020102020204" pitchFamily="34" charset="0"/>
+              </a:rPr>
+              <a:t>Δ </a:t>
+            </a:r>
+            <a:r>
+              <a:rPr lang="en-US" sz="4400" dirty="0">
+                <a:latin typeface="Franklin Gothic Book" panose="020B0503020102020204" pitchFamily="34" charset="0"/>
+              </a:rPr>
+              <a:t>Meaning</a:t>
+            </a:r>
+          </a:p>
+        </p:txBody>
+      </p:sp>
+      <p:sp>
+        <p:nvSpPr>
+          <p:cNvPr id="44" name="TextBox 43">
+            <a:extLst>
+              <a:ext uri="{FF2B5EF4-FFF2-40B4-BE49-F238E27FC236}">
+                <a16:creationId xmlns:a16="http://schemas.microsoft.com/office/drawing/2014/main" id="{5E0099A8-72FB-6D49-A218-07686347FA2F}"/>
+              </a:ext>
+            </a:extLst>
+          </p:cNvPr>
+          <p:cNvSpPr txBox="1"/>
+          <p:nvPr/>
+        </p:nvSpPr>
+        <p:spPr>
+          <a:xfrm rot="16200000">
+            <a:off x="13431209" y="17743070"/>
+            <a:ext cx="2151869" cy="769441"/>
+          </a:xfrm>
+          <a:prstGeom prst="rect">
+            <a:avLst/>
+          </a:prstGeom>
+          <a:noFill/>
+        </p:spPr>
+        <p:txBody>
+          <a:bodyPr wrap="square" rtlCol="0">
+            <a:noAutofit/>
+          </a:bodyPr>
+          <a:lstStyle/>
+          <a:p>
+            <a:r>
+              <a:rPr lang="el-GR" sz="4400" dirty="0">
+                <a:latin typeface="Franklin Gothic Book" panose="020B0503020102020204" pitchFamily="34" charset="0"/>
+              </a:rPr>
+              <a:t>Δ</a:t>
+            </a:r>
+            <a:r>
+              <a:rPr lang="en-US" sz="4400" dirty="0">
+                <a:latin typeface="Franklin Gothic Book" panose="020B0503020102020204" pitchFamily="34" charset="0"/>
+              </a:rPr>
+              <a:t> Form</a:t>
+            </a:r>
+          </a:p>
+        </p:txBody>
+      </p:sp>
+      <p:sp>
+        <p:nvSpPr>
+          <p:cNvPr id="2" name="Rectangle 1">
+            <a:extLst>
+              <a:ext uri="{FF2B5EF4-FFF2-40B4-BE49-F238E27FC236}">
+                <a16:creationId xmlns:a16="http://schemas.microsoft.com/office/drawing/2014/main" id="{8517F741-A7B5-E740-B762-D14C11967226}"/>
+              </a:ext>
+            </a:extLst>
+          </p:cNvPr>
+          <p:cNvSpPr/>
+          <p:nvPr/>
+        </p:nvSpPr>
+        <p:spPr>
+          <a:xfrm>
+            <a:off x="12852964" y="13067087"/>
+            <a:ext cx="14223018" cy="2185214"/>
+          </a:xfrm>
+          <a:prstGeom prst="rect">
+            <a:avLst/>
+          </a:prstGeom>
+        </p:spPr>
+        <p:txBody>
+          <a:bodyPr wrap="square">
+            <a:spAutoFit/>
+          </a:bodyPr>
+          <a:lstStyle/>
+          <a:p>
+            <a:pPr defTabSz="914468" eaLnBrk="0" fontAlgn="base" hangingPunct="0">
+              <a:spcBef>
+                <a:spcPct val="0"/>
+              </a:spcBef>
+              <a:spcAft>
+                <a:spcPct val="0"/>
+              </a:spcAft>
+              <a:defRPr/>
+            </a:pPr>
+            <a:r>
+              <a:rPr lang="en-US" altLang="en-US" sz="4800" dirty="0">
+                <a:solidFill>
+                  <a:srgbClr val="7030A0"/>
+                </a:solidFill>
+                <a:latin typeface="Franklin Gothic Medium" panose="020B0603020102020204" pitchFamily="34" charset="0"/>
+              </a:rPr>
+              <a:t>Motivation: Dichotomy vs Continuum</a:t>
+            </a:r>
+          </a:p>
+          <a:p>
+            <a:pPr defTabSz="914468" eaLnBrk="0" fontAlgn="base" hangingPunct="0">
+              <a:spcBef>
+                <a:spcPct val="0"/>
+              </a:spcBef>
+              <a:spcAft>
+                <a:spcPct val="0"/>
+              </a:spcAft>
+              <a:defRPr/>
+            </a:pPr>
+            <a:r>
+              <a:rPr lang="en-US" altLang="en-US" sz="4400" dirty="0">
+                <a:latin typeface="Franklin Gothic Book" panose="020B0503020102020204" pitchFamily="34" charset="0"/>
+              </a:rPr>
+              <a:t>A cross-language study showed that these categories may be overlapping [6].</a:t>
+            </a:r>
+          </a:p>
+        </p:txBody>
+      </p:sp>
+    </p:spTree>
+    <p:extLst>
+      <p:ext uri="{BB962C8B-B14F-4D97-AF65-F5344CB8AC3E}">
+        <p14:creationId xmlns:p14="http://schemas.microsoft.com/office/powerpoint/2010/main" val="153410284"/>
+      </p:ext>
+    </p:extLst>
+  </p:cSld>
+  <p:clrMapOvr>
+    <a:masterClrMapping/>
+  </p:clrMapOvr>
+</p:sld>
+</file>
+
+<file path=ppt/slides/slide2.xml><?xml version="1.0" encoding="utf-8"?>
+<p:sld xmlns:a="http://schemas.openxmlformats.org/drawingml/2006/main" xmlns:r="http://schemas.openxmlformats.org/officeDocument/2006/relationships" xmlns:p="http://schemas.openxmlformats.org/presentationml/2006/main">
+  <p:cSld>
+    <p:spTree>
+      <p:nvGrpSpPr>
+        <p:cNvPr id="1" name=""/>
+        <p:cNvGrpSpPr/>
+        <p:nvPr/>
+      </p:nvGrpSpPr>
+      <p:grpSpPr>
+        <a:xfrm>
+          <a:off x="0" y="0"/>
+          <a:ext cx="0" cy="0"/>
+          <a:chOff x="0" y="0"/>
+          <a:chExt cx="0" cy="0"/>
+        </a:xfrm>
+      </p:grpSpPr>
+      <p:pic>
+        <p:nvPicPr>
+          <p:cNvPr id="10" name="Content Placeholder 9">
+            <a:extLst>
+              <a:ext uri="{FF2B5EF4-FFF2-40B4-BE49-F238E27FC236}">
+                <a16:creationId xmlns:a16="http://schemas.microsoft.com/office/drawing/2014/main" id="{20D09336-F8EF-D64F-84E4-7749FF29F473}"/>
+              </a:ext>
+            </a:extLst>
+          </p:cNvPr>
+          <p:cNvPicPr>
+            <a:picLocks noGrp="1" noChangeAspect="1"/>
+          </p:cNvPicPr>
+          <p:nvPr>
+            <p:ph idx="1"/>
+          </p:nvPr>
+        </p:nvPicPr>
+        <p:blipFill>
+          <a:blip r:embed="rId2">
+            <a:extLst>
+              <a:ext uri="{28A0092B-C50C-407E-A947-70E740481C1C}">
+                <a14:useLocalDpi xmlns:a14="http://schemas.microsoft.com/office/drawing/2010/main" val="0"/>
+              </a:ext>
+            </a:extLst>
+          </a:blip>
+          <a:stretch>
+            <a:fillRect/>
+          </a:stretch>
+        </p:blipFill>
+        <p:spPr>
+          <a:xfrm>
+            <a:off x="3036509" y="5662119"/>
+            <a:ext cx="16057942" cy="12524621"/>
+          </a:xfrm>
+        </p:spPr>
+      </p:pic>
+      <p:pic>
+        <p:nvPicPr>
+          <p:cNvPr id="8" name="Picture 7">
+            <a:extLst>
+              <a:ext uri="{FF2B5EF4-FFF2-40B4-BE49-F238E27FC236}">
+                <a16:creationId xmlns:a16="http://schemas.microsoft.com/office/drawing/2014/main" id="{1932D5DF-1553-6F40-9019-C5CDA57E731B}"/>
+              </a:ext>
+            </a:extLst>
+          </p:cNvPr>
+          <p:cNvPicPr>
+            <a:picLocks noChangeAspect="1"/>
+          </p:cNvPicPr>
+          <p:nvPr/>
+        </p:nvPicPr>
+        <p:blipFill>
+          <a:blip r:embed="rId3">
+            <a:extLst>
+              <a:ext uri="{28A0092B-C50C-407E-A947-70E740481C1C}">
+                <a14:useLocalDpi xmlns:a14="http://schemas.microsoft.com/office/drawing/2010/main" val="0"/>
+              </a:ext>
+            </a:extLst>
+          </a:blip>
+          <a:stretch>
+            <a:fillRect/>
+          </a:stretch>
+        </p:blipFill>
+        <p:spPr>
+          <a:xfrm>
+            <a:off x="23306173" y="5662119"/>
+            <a:ext cx="16057942" cy="12787426"/>
           </a:xfrm>
           <a:prstGeom prst="rect">
             <a:avLst/>
@@ -4914,7 +5616,7 @@
     </p:spTree>
     <p:extLst>
       <p:ext uri="{BB962C8B-B14F-4D97-AF65-F5344CB8AC3E}">
-        <p14:creationId xmlns:p14="http://schemas.microsoft.com/office/powerpoint/2010/main" val="153410284"/>
+        <p14:creationId xmlns:p14="http://schemas.microsoft.com/office/powerpoint/2010/main" val="165204392"/>
       </p:ext>
     </p:extLst>
   </p:cSld>

--- a/Simon_Chervenak_Thesis_Poster.pptx
+++ b/Simon_Chervenak_Thesis_Poster.pptx
@@ -3283,7 +3283,7 @@
         <p:spPr bwMode="auto">
           <a:xfrm>
             <a:off x="5019387" y="26920460"/>
-            <a:ext cx="6816805" cy="5450180"/>
+            <a:ext cx="6816805" cy="5702106"/>
           </a:xfrm>
           <a:prstGeom prst="flowChartAlternateProcess">
             <a:avLst/>
@@ -3325,54 +3325,216 @@
           </a:bodyPr>
           <a:lstStyle/>
           <a:p>
-            <a:pPr defTabSz="914468" eaLnBrk="0" fontAlgn="base" hangingPunct="0">
-              <a:spcBef>
-                <a:spcPct val="0"/>
-              </a:spcBef>
-              <a:spcAft>
-                <a:spcPct val="0"/>
-              </a:spcAft>
-            </a:pPr>
-            <a:r>
-              <a:rPr lang="en-US" altLang="en-US" sz="2201" i="1" dirty="0">
-                <a:solidFill>
-                  <a:srgbClr val="7A306C"/>
-                </a:solidFill>
-                <a:latin typeface="Georgia" panose="02040502050405020303" pitchFamily="18" charset="0"/>
+            <a:r>
+              <a:rPr lang="en-US" altLang="en-US" i="1" dirty="0">
+                <a:solidFill>
+                  <a:srgbClr val="7030A0"/>
+                </a:solidFill>
+                <a:latin typeface="Times New Roman" panose="02020603050405020304" pitchFamily="18" charset="0"/>
+                <a:cs typeface="Times New Roman" panose="02020603050405020304" pitchFamily="18" charset="0"/>
               </a:rPr>
               <a:t>References: [1] Miceli, G., &amp; </a:t>
             </a:r>
             <a:r>
-              <a:rPr lang="en-US" altLang="en-US" sz="2201" i="1" dirty="0" err="1">
-                <a:solidFill>
-                  <a:srgbClr val="7A306C"/>
-                </a:solidFill>
-                <a:latin typeface="Georgia" panose="02040502050405020303" pitchFamily="18" charset="0"/>
+              <a:rPr lang="en-US" altLang="en-US" i="1" dirty="0" err="1">
+                <a:solidFill>
+                  <a:srgbClr val="7030A0"/>
+                </a:solidFill>
+                <a:latin typeface="Times New Roman" panose="02020603050405020304" pitchFamily="18" charset="0"/>
+                <a:cs typeface="Times New Roman" panose="02020603050405020304" pitchFamily="18" charset="0"/>
               </a:rPr>
               <a:t>Caramazza</a:t>
             </a:r>
             <a:r>
-              <a:rPr lang="en-US" altLang="en-US" sz="2201" i="1" dirty="0">
-                <a:solidFill>
-                  <a:srgbClr val="7A306C"/>
-                </a:solidFill>
-                <a:latin typeface="Georgia" panose="02040502050405020303" pitchFamily="18" charset="0"/>
-              </a:rPr>
-              <a:t>, A. (1988). Dissociation of Inflectional and Derivational Morphology. Brain and Language, 35, 24–65.</a:t>
-            </a:r>
-          </a:p>
-          <a:p>
-            <a:pPr defTabSz="914468" eaLnBrk="0" fontAlgn="base" hangingPunct="0">
-              <a:spcBef>
-                <a:spcPct val="0"/>
-              </a:spcBef>
-              <a:spcAft>
-                <a:spcPct val="0"/>
-              </a:spcAft>
-            </a:pPr>
-            <a:endParaRPr lang="en-US" altLang="en-US" dirty="0">
-              <a:latin typeface="Arial" panose="020B0604020202020204" pitchFamily="34" charset="0"/>
-            </a:endParaRPr>
+              <a:rPr lang="en-US" altLang="en-US" i="1" dirty="0">
+                <a:solidFill>
+                  <a:srgbClr val="7030A0"/>
+                </a:solidFill>
+                <a:latin typeface="Times New Roman" panose="02020603050405020304" pitchFamily="18" charset="0"/>
+                <a:cs typeface="Times New Roman" panose="02020603050405020304" pitchFamily="18" charset="0"/>
+              </a:rPr>
+              <a:t>, A. (1988). Dissociation of Inflectional and Derivational Morphology. Brain and Language, 35, 24–65. [2] </a:t>
+            </a:r>
+            <a:r>
+              <a:rPr lang="en-US" i="1" dirty="0" err="1">
+                <a:solidFill>
+                  <a:srgbClr val="7030A0"/>
+                </a:solidFill>
+                <a:latin typeface="Times New Roman" panose="02020603050405020304" pitchFamily="18" charset="0"/>
+                <a:cs typeface="Times New Roman" panose="02020603050405020304" pitchFamily="18" charset="0"/>
+              </a:rPr>
+              <a:t>Gheitury</a:t>
+            </a:r>
+            <a:r>
+              <a:rPr lang="en-US" i="1" dirty="0">
+                <a:solidFill>
+                  <a:srgbClr val="7030A0"/>
+                </a:solidFill>
+                <a:latin typeface="Times New Roman" panose="02020603050405020304" pitchFamily="18" charset="0"/>
+                <a:cs typeface="Times New Roman" panose="02020603050405020304" pitchFamily="18" charset="0"/>
+              </a:rPr>
+              <a:t>, A., </a:t>
+            </a:r>
+            <a:r>
+              <a:rPr lang="en-US" i="1" dirty="0" err="1">
+                <a:solidFill>
+                  <a:srgbClr val="7030A0"/>
+                </a:solidFill>
+                <a:latin typeface="Times New Roman" panose="02020603050405020304" pitchFamily="18" charset="0"/>
+                <a:cs typeface="Times New Roman" panose="02020603050405020304" pitchFamily="18" charset="0"/>
+              </a:rPr>
+              <a:t>Dianat</a:t>
+            </a:r>
+            <a:r>
+              <a:rPr lang="en-US" i="1" dirty="0">
+                <a:solidFill>
+                  <a:srgbClr val="7030A0"/>
+                </a:solidFill>
+                <a:latin typeface="Times New Roman" panose="02020603050405020304" pitchFamily="18" charset="0"/>
+                <a:cs typeface="Times New Roman" panose="02020603050405020304" pitchFamily="18" charset="0"/>
+              </a:rPr>
+              <a:t>, L., &amp; Rezaei, S. T. (2017). Dissociation of Inflectional and Derivational Morphology in Persian: Evidence from Aphasic Patients. Journal of Modern Rehabilitation, 11(1), 37–44. [3] </a:t>
+            </a:r>
+            <a:r>
+              <a:rPr lang="en-US" i="1" dirty="0" err="1">
+                <a:solidFill>
+                  <a:srgbClr val="7030A0"/>
+                </a:solidFill>
+                <a:latin typeface="Times New Roman" panose="02020603050405020304" pitchFamily="18" charset="0"/>
+                <a:cs typeface="Times New Roman" panose="02020603050405020304" pitchFamily="18" charset="0"/>
+              </a:rPr>
+              <a:t>Embick</a:t>
+            </a:r>
+            <a:r>
+              <a:rPr lang="en-US" i="1" dirty="0">
+                <a:solidFill>
+                  <a:srgbClr val="7030A0"/>
+                </a:solidFill>
+                <a:latin typeface="Times New Roman" panose="02020603050405020304" pitchFamily="18" charset="0"/>
+                <a:cs typeface="Times New Roman" panose="02020603050405020304" pitchFamily="18" charset="0"/>
+              </a:rPr>
+              <a:t>, D. (2021). The Motivation for Roots in Distributed Morphology. Annual Review of Linguistics, 2021(7), 69–88. [4] Coleman Haley, </a:t>
+            </a:r>
+            <a:r>
+              <a:rPr lang="en-US" i="1" dirty="0" err="1">
+                <a:solidFill>
+                  <a:srgbClr val="7030A0"/>
+                </a:solidFill>
+                <a:latin typeface="Times New Roman" panose="02020603050405020304" pitchFamily="18" charset="0"/>
+                <a:cs typeface="Times New Roman" panose="02020603050405020304" pitchFamily="18" charset="0"/>
+              </a:rPr>
+              <a:t>Edoardo</a:t>
+            </a:r>
+            <a:r>
+              <a:rPr lang="en-US" i="1" dirty="0">
+                <a:solidFill>
+                  <a:srgbClr val="7030A0"/>
+                </a:solidFill>
+                <a:latin typeface="Times New Roman" panose="02020603050405020304" pitchFamily="18" charset="0"/>
+                <a:cs typeface="Times New Roman" panose="02020603050405020304" pitchFamily="18" charset="0"/>
+              </a:rPr>
+              <a:t> M. Ponti, and Sharon Goldwater. 2023. Language-Agnostic Measures Discriminate Inflection and Derivation. In Proceedings of the 5th Workshop on Research in Computational Linguistic Typology and Multilingual NLP, pages 150–152, Dubrovnik, Croatia. Association for Computational Linguistics. [5] </a:t>
+            </a:r>
+            <a:r>
+              <a:rPr lang="en-US" i="1" dirty="0" err="1">
+                <a:solidFill>
+                  <a:srgbClr val="7030A0"/>
+                </a:solidFill>
+                <a:latin typeface="Times New Roman" panose="02020603050405020304" pitchFamily="18" charset="0"/>
+                <a:cs typeface="Times New Roman" panose="02020603050405020304" pitchFamily="18" charset="0"/>
+              </a:rPr>
+              <a:t>Goslin</a:t>
+            </a:r>
+            <a:r>
+              <a:rPr lang="en-US" i="1" dirty="0">
+                <a:solidFill>
+                  <a:srgbClr val="7030A0"/>
+                </a:solidFill>
+                <a:latin typeface="Times New Roman" panose="02020603050405020304" pitchFamily="18" charset="0"/>
+                <a:cs typeface="Times New Roman" panose="02020603050405020304" pitchFamily="18" charset="0"/>
+              </a:rPr>
+              <a:t>, J., </a:t>
+            </a:r>
+            <a:r>
+              <a:rPr lang="en-US" i="1" dirty="0" err="1">
+                <a:solidFill>
+                  <a:srgbClr val="7030A0"/>
+                </a:solidFill>
+                <a:latin typeface="Times New Roman" panose="02020603050405020304" pitchFamily="18" charset="0"/>
+                <a:cs typeface="Times New Roman" panose="02020603050405020304" pitchFamily="18" charset="0"/>
+              </a:rPr>
+              <a:t>Galluzzi</a:t>
+            </a:r>
+            <a:r>
+              <a:rPr lang="en-US" i="1" dirty="0">
+                <a:solidFill>
+                  <a:srgbClr val="7030A0"/>
+                </a:solidFill>
+                <a:latin typeface="Times New Roman" panose="02020603050405020304" pitchFamily="18" charset="0"/>
+                <a:cs typeface="Times New Roman" panose="02020603050405020304" pitchFamily="18" charset="0"/>
+              </a:rPr>
+              <a:t>, C. &amp; Romani, C. </a:t>
+            </a:r>
+            <a:r>
+              <a:rPr lang="en-US" i="1" dirty="0" err="1">
+                <a:solidFill>
+                  <a:srgbClr val="7030A0"/>
+                </a:solidFill>
+                <a:latin typeface="Times New Roman" panose="02020603050405020304" pitchFamily="18" charset="0"/>
+                <a:cs typeface="Times New Roman" panose="02020603050405020304" pitchFamily="18" charset="0"/>
+              </a:rPr>
+              <a:t>PhonItalia</a:t>
+            </a:r>
+            <a:r>
+              <a:rPr lang="en-US" i="1" dirty="0">
+                <a:solidFill>
+                  <a:srgbClr val="7030A0"/>
+                </a:solidFill>
+                <a:latin typeface="Times New Roman" panose="02020603050405020304" pitchFamily="18" charset="0"/>
+                <a:cs typeface="Times New Roman" panose="02020603050405020304" pitchFamily="18" charset="0"/>
+              </a:rPr>
+              <a:t>: a phonological lexicon for Italian. </a:t>
+            </a:r>
+            <a:r>
+              <a:rPr lang="en-US" i="1" dirty="0" err="1">
+                <a:solidFill>
+                  <a:srgbClr val="7030A0"/>
+                </a:solidFill>
+                <a:latin typeface="Times New Roman" panose="02020603050405020304" pitchFamily="18" charset="0"/>
+                <a:cs typeface="Times New Roman" panose="02020603050405020304" pitchFamily="18" charset="0"/>
+              </a:rPr>
+              <a:t>Behav</a:t>
+            </a:r>
+            <a:r>
+              <a:rPr lang="en-US" i="1" dirty="0">
+                <a:solidFill>
+                  <a:srgbClr val="7030A0"/>
+                </a:solidFill>
+                <a:latin typeface="Times New Roman" panose="02020603050405020304" pitchFamily="18" charset="0"/>
+                <a:cs typeface="Times New Roman" panose="02020603050405020304" pitchFamily="18" charset="0"/>
+              </a:rPr>
+              <a:t> Res 46, 872–886 (2014). https://doi.org/10.3758/s13428-013-0400-8 [6] Kirov, C., &amp; </a:t>
+            </a:r>
+            <a:r>
+              <a:rPr lang="en-US" i="1" dirty="0" err="1">
+                <a:solidFill>
+                  <a:srgbClr val="7030A0"/>
+                </a:solidFill>
+                <a:latin typeface="Times New Roman" panose="02020603050405020304" pitchFamily="18" charset="0"/>
+                <a:cs typeface="Times New Roman" panose="02020603050405020304" pitchFamily="18" charset="0"/>
+              </a:rPr>
+              <a:t>Cotterell</a:t>
+            </a:r>
+            <a:r>
+              <a:rPr lang="en-US" i="1" dirty="0">
+                <a:solidFill>
+                  <a:srgbClr val="7030A0"/>
+                </a:solidFill>
+                <a:latin typeface="Times New Roman" panose="02020603050405020304" pitchFamily="18" charset="0"/>
+                <a:cs typeface="Times New Roman" panose="02020603050405020304" pitchFamily="18" charset="0"/>
+              </a:rPr>
+              <a:t>, R. (2018). Recurrent neural networks in linguistic theory: Revisiting pinker and prince (1988) and the past tense debate. Transactions of the Association for Computational Linguistics, 6, 651–665.</a:t>
+            </a:r>
           </a:p>
         </p:txBody>
       </p:sp>
@@ -3944,7 +4106,7 @@
               <a:rPr lang="en-US" altLang="en-US" sz="4400" dirty="0">
                 <a:latin typeface="Franklin Gothic Book" panose="020B0503020102020204" pitchFamily="34" charset="0"/>
               </a:rPr>
-              <a:t>This has been observed cross-linguistically in cases of agrammatic aphasia [4, 5].</a:t>
+              <a:t>This has been observed cross-linguistically in cases of agrammatic aphasia [2].</a:t>
             </a:r>
             <a:endParaRPr lang="en-US" altLang="en-US" sz="4000" dirty="0">
               <a:latin typeface="Franklin Gothic Book" panose="020B0503020102020204" pitchFamily="34" charset="0"/>
@@ -4262,8 +4424,8 @@
         </p:nvSpPr>
         <p:spPr>
           <a:xfrm>
-            <a:off x="15217257" y="23069331"/>
-            <a:ext cx="12314619" cy="2800767"/>
+            <a:off x="12331773" y="24127943"/>
+            <a:ext cx="15245016" cy="2800767"/>
           </a:xfrm>
           <a:prstGeom prst="rect">
             <a:avLst/>
@@ -4301,7 +4463,7 @@
               <a:rPr lang="en-US" sz="4400" dirty="0">
                 <a:latin typeface="Franklin Gothic Book" panose="020B0503020102020204" pitchFamily="34" charset="0"/>
               </a:rPr>
-              <a:t> [4], morpheme data from </a:t>
+              <a:t> [5], morpheme data from </a:t>
             </a:r>
             <a:r>
               <a:rPr lang="en-US" sz="4400" dirty="0" err="1">
@@ -4339,7 +4501,7 @@
               <a:rPr lang="en-US" sz="4400" dirty="0">
                 <a:latin typeface="Franklin Gothic Book" panose="020B0503020102020204" pitchFamily="34" charset="0"/>
               </a:rPr>
-              <a:t>: Encoder-Decoder architecture, originally designed for translation [5]</a:t>
+              <a:t>: Encoder-Decoder architecture, originally designed for translation [6]</a:t>
             </a:r>
           </a:p>
         </p:txBody>
@@ -4473,7 +4635,7 @@
         </p:nvSpPr>
         <p:spPr bwMode="auto">
           <a:xfrm>
-            <a:off x="12331774" y="22182671"/>
+            <a:off x="12331774" y="23295867"/>
             <a:ext cx="14223018" cy="900786"/>
           </a:xfrm>
           <a:prstGeom prst="rect">
@@ -4589,7 +4751,7 @@
         </p:nvSpPr>
         <p:spPr>
           <a:xfrm>
-            <a:off x="19556385" y="25962232"/>
+            <a:off x="19556385" y="26598344"/>
             <a:ext cx="8696261" cy="4154984"/>
           </a:xfrm>
           <a:prstGeom prst="rect">
@@ -4647,7 +4809,7 @@
               <a:rPr lang="en-US" sz="4400" dirty="0">
                 <a:latin typeface="Franklin Gothic Book" panose="020B0503020102020204" pitchFamily="34" charset="0"/>
               </a:rPr>
-              <a:t>increments, test on a subset of the training verbs</a:t>
+              <a:t>increments, test on a balanced subset of the training verbs</a:t>
             </a:r>
           </a:p>
         </p:txBody>
@@ -4667,7 +4829,7 @@
           <p:nvPr>
             <p:extLst>
               <p:ext uri="{D42A27DB-BD31-4B8C-83A1-F6EECF244321}">
-                <p14:modId xmlns:p14="http://schemas.microsoft.com/office/powerpoint/2010/main" val="2153055374"/>
+                <p14:modId xmlns:p14="http://schemas.microsoft.com/office/powerpoint/2010/main" val="604556890"/>
               </p:ext>
             </p:extLst>
           </p:nvPr>
@@ -4706,12 +4868,11 @@
                     <a:p>
                       <a:pPr algn="ctr"/>
                       <a:r>
-                        <a:rPr lang="en-US" sz="4400" b="0" dirty="0"/>
+                        <a:rPr lang="en-US" sz="4400" b="0" i="0" dirty="0">
+                          <a:latin typeface="Franklin Gothic Book" panose="020B0503020102020204" pitchFamily="34" charset="0"/>
+                        </a:rPr>
                         <a:t>"walked"</a:t>
                       </a:r>
-                      <a:endParaRPr lang="en-US" sz="4400" b="0" i="0" dirty="0">
-                        <a:latin typeface="Franklin Gothic Book" panose="020B0503020102020204" pitchFamily="34" charset="0"/>
-                      </a:endParaRPr>
                     </a:p>
                   </a:txBody>
                   <a:tcPr/>
@@ -4723,23 +4884,20 @@
                     <a:p>
                       <a:pPr algn="ctr"/>
                       <a:r>
-                        <a:rPr lang="en-US" sz="4400" b="0" dirty="0"/>
+                        <a:rPr lang="en-US" sz="4400" b="0" i="0" dirty="0">
+                          <a:latin typeface="Franklin Gothic Book" panose="020B0503020102020204" pitchFamily="34" charset="0"/>
+                        </a:rPr>
                         <a:t>walk</a:t>
                       </a:r>
                       <a:r>
-                        <a:rPr lang="en-US" sz="4400" b="0" dirty="0">
+                        <a:rPr lang="en-US" sz="4400" b="0" i="0" dirty="0">
                           <a:solidFill>
                             <a:srgbClr val="D1885C"/>
                           </a:solidFill>
+                          <a:latin typeface="Franklin Gothic Book" panose="020B0503020102020204" pitchFamily="34" charset="0"/>
                         </a:rPr>
                         <a:t>ed</a:t>
                       </a:r>
-                      <a:endParaRPr lang="en-US" sz="4400" b="0" i="0" dirty="0">
-                        <a:solidFill>
-                          <a:srgbClr val="D1885C"/>
-                        </a:solidFill>
-                        <a:latin typeface="Franklin Gothic Book" panose="020B0503020102020204" pitchFamily="34" charset="0"/>
-                      </a:endParaRPr>
                     </a:p>
                   </a:txBody>
                   <a:tcPr/>
@@ -4758,12 +4916,11 @@
                     <a:p>
                       <a:pPr algn="ctr"/>
                       <a:r>
-                        <a:rPr lang="en-US" sz="4400" dirty="0"/>
+                        <a:rPr lang="en-US" sz="4400" b="0" i="0" dirty="0">
+                          <a:latin typeface="Franklin Gothic Book" panose="020B0503020102020204" pitchFamily="34" charset="0"/>
+                        </a:rPr>
                         <a:t>"chairs"</a:t>
                       </a:r>
-                      <a:endParaRPr lang="en-US" sz="4400" b="0" i="0" dirty="0">
-                        <a:latin typeface="Franklin Gothic Book" panose="020B0503020102020204" pitchFamily="34" charset="0"/>
-                      </a:endParaRPr>
                     </a:p>
                   </a:txBody>
                   <a:tcPr/>
@@ -4775,23 +4932,20 @@
                     <a:p>
                       <a:pPr algn="ctr"/>
                       <a:r>
-                        <a:rPr lang="en-US" sz="4400" dirty="0"/>
+                        <a:rPr lang="en-US" sz="4400" b="0" i="0" dirty="0">
+                          <a:latin typeface="Franklin Gothic Book" panose="020B0503020102020204" pitchFamily="34" charset="0"/>
+                        </a:rPr>
                         <a:t>chair</a:t>
                       </a:r>
                       <a:r>
-                        <a:rPr lang="en-US" sz="4400" dirty="0">
+                        <a:rPr lang="en-US" sz="4400" b="0" i="0" dirty="0">
                           <a:solidFill>
                             <a:srgbClr val="D1885C"/>
                           </a:solidFill>
+                          <a:latin typeface="Franklin Gothic Book" panose="020B0503020102020204" pitchFamily="34" charset="0"/>
                         </a:rPr>
                         <a:t>s</a:t>
                       </a:r>
-                      <a:endParaRPr lang="en-US" sz="4400" b="0" i="0" dirty="0">
-                        <a:solidFill>
-                          <a:srgbClr val="D1885C"/>
-                        </a:solidFill>
-                        <a:latin typeface="Franklin Gothic Book" panose="020B0503020102020204" pitchFamily="34" charset="0"/>
-                      </a:endParaRPr>
                     </a:p>
                   </a:txBody>
                   <a:tcPr/>
@@ -4882,8 +5036,8 @@
         </p:nvSpPr>
         <p:spPr bwMode="auto">
           <a:xfrm>
-            <a:off x="28230547" y="13924070"/>
-            <a:ext cx="14223018" cy="2404952"/>
+            <a:off x="28230546" y="13924070"/>
+            <a:ext cx="15245015" cy="2404952"/>
           </a:xfrm>
           <a:prstGeom prst="rect">
             <a:avLst/>
@@ -4965,38 +5119,8 @@
         </p:blipFill>
         <p:spPr>
           <a:xfrm>
-            <a:off x="15028463" y="15168043"/>
+            <a:off x="15028463" y="16281239"/>
             <a:ext cx="9344891" cy="6234985"/>
-          </a:xfrm>
-          <a:prstGeom prst="rect">
-            <a:avLst/>
-          </a:prstGeom>
-        </p:spPr>
-      </p:pic>
-      <p:pic>
-        <p:nvPicPr>
-          <p:cNvPr id="4" name="Picture 3">
-            <a:extLst>
-              <a:ext uri="{FF2B5EF4-FFF2-40B4-BE49-F238E27FC236}">
-                <a16:creationId xmlns:a16="http://schemas.microsoft.com/office/drawing/2014/main" id="{FA776B39-B15E-D246-BB1C-FD1FA976DDE8}"/>
-              </a:ext>
-            </a:extLst>
-          </p:cNvPr>
-          <p:cNvPicPr>
-            <a:picLocks noChangeAspect="1"/>
-          </p:cNvPicPr>
-          <p:nvPr/>
-        </p:nvPicPr>
-        <p:blipFill>
-          <a:blip r:embed="rId6"/>
-          <a:stretch>
-            <a:fillRect/>
-          </a:stretch>
-        </p:blipFill>
-        <p:spPr>
-          <a:xfrm>
-            <a:off x="12387543" y="23201272"/>
-            <a:ext cx="7113074" cy="8415021"/>
           </a:xfrm>
           <a:prstGeom prst="rect">
             <a:avLst/>
@@ -5018,7 +5142,7 @@
           <p:nvPr>
             <p:extLst>
               <p:ext uri="{D42A27DB-BD31-4B8C-83A1-F6EECF244321}">
-                <p14:modId xmlns:p14="http://schemas.microsoft.com/office/powerpoint/2010/main" val="3347983697"/>
+                <p14:modId xmlns:p14="http://schemas.microsoft.com/office/powerpoint/2010/main" val="1990717348"/>
               </p:ext>
             </p:extLst>
           </p:nvPr>
@@ -5057,12 +5181,11 @@
                     <a:p>
                       <a:pPr algn="ctr"/>
                       <a:r>
-                        <a:rPr lang="en-US" sz="4400" b="0" dirty="0"/>
+                        <a:rPr lang="en-US" sz="4400" b="0" i="0" dirty="0">
+                          <a:latin typeface="Franklin Gothic Book" panose="020B0503020102020204" pitchFamily="34" charset="0"/>
+                        </a:rPr>
                         <a:t>"painter"</a:t>
                       </a:r>
-                      <a:endParaRPr lang="en-US" sz="4400" b="0" i="0" dirty="0">
-                        <a:latin typeface="Franklin Gothic Book" panose="020B0503020102020204" pitchFamily="34" charset="0"/>
-                      </a:endParaRPr>
                     </a:p>
                   </a:txBody>
                   <a:tcPr/>
@@ -5074,23 +5197,20 @@
                     <a:p>
                       <a:pPr algn="ctr"/>
                       <a:r>
-                        <a:rPr lang="en-US" sz="4400" b="0" dirty="0"/>
+                        <a:rPr lang="en-US" sz="4400" b="0" i="0" dirty="0">
+                          <a:latin typeface="Franklin Gothic Book" panose="020B0503020102020204" pitchFamily="34" charset="0"/>
+                        </a:rPr>
                         <a:t>paint</a:t>
                       </a:r>
                       <a:r>
-                        <a:rPr lang="en-US" sz="4400" b="0" dirty="0">
+                        <a:rPr lang="en-US" sz="4400" b="0" i="0" dirty="0">
                           <a:solidFill>
                             <a:srgbClr val="5571AB"/>
                           </a:solidFill>
+                          <a:latin typeface="Franklin Gothic Book" panose="020B0503020102020204" pitchFamily="34" charset="0"/>
                         </a:rPr>
                         <a:t>er</a:t>
                       </a:r>
-                      <a:endParaRPr lang="en-US" sz="4400" b="0" i="0" dirty="0">
-                        <a:solidFill>
-                          <a:srgbClr val="5571AB"/>
-                        </a:solidFill>
-                        <a:latin typeface="Franklin Gothic Book" panose="020B0503020102020204" pitchFamily="34" charset="0"/>
-                      </a:endParaRPr>
                     </a:p>
                   </a:txBody>
                   <a:tcPr/>
@@ -5109,12 +5229,11 @@
                     <a:p>
                       <a:pPr algn="ctr"/>
                       <a:r>
-                        <a:rPr lang="en-US" sz="4400" dirty="0"/>
+                        <a:rPr lang="en-US" sz="4400" b="0" i="0" dirty="0">
+                          <a:latin typeface="Franklin Gothic Book" panose="020B0503020102020204" pitchFamily="34" charset="0"/>
+                        </a:rPr>
                         <a:t>"redo"</a:t>
                       </a:r>
-                      <a:endParaRPr lang="en-US" sz="4400" b="0" i="0" dirty="0">
-                        <a:latin typeface="Franklin Gothic Book" panose="020B0503020102020204" pitchFamily="34" charset="0"/>
-                      </a:endParaRPr>
                     </a:p>
                   </a:txBody>
                   <a:tcPr/>
@@ -5126,15 +5245,18 @@
                     <a:p>
                       <a:pPr algn="ctr"/>
                       <a:r>
-                        <a:rPr lang="en-US" sz="4400" dirty="0">
+                        <a:rPr lang="en-US" sz="4400" b="0" i="0" dirty="0">
                           <a:solidFill>
                             <a:srgbClr val="5571AB"/>
                           </a:solidFill>
+                          <a:latin typeface="Franklin Gothic Book" panose="020B0503020102020204" pitchFamily="34" charset="0"/>
                         </a:rPr>
                         <a:t>re</a:t>
                       </a:r>
                       <a:r>
-                        <a:rPr lang="en-US" sz="4400" dirty="0"/>
+                        <a:rPr lang="en-US" sz="4400" b="0" i="0" dirty="0">
+                          <a:latin typeface="Franklin Gothic Book" panose="020B0503020102020204" pitchFamily="34" charset="0"/>
+                        </a:rPr>
                         <a:t>do</a:t>
                       </a:r>
                       <a:endParaRPr lang="en-US" sz="4400" b="0" i="0" dirty="0">
@@ -5172,7 +5294,7 @@
           <p:nvPr/>
         </p:nvPicPr>
         <p:blipFill>
-          <a:blip r:embed="rId7">
+          <a:blip r:embed="rId6">
             <a:extLst>
               <a:ext uri="{28A0092B-C50C-407E-A947-70E740481C1C}">
                 <a14:useLocalDpi xmlns:a14="http://schemas.microsoft.com/office/drawing/2010/main" val="0"/>
@@ -5185,7 +5307,7 @@
         </p:blipFill>
         <p:spPr>
           <a:xfrm>
-            <a:off x="31656892" y="5642048"/>
+            <a:off x="33378931" y="8514967"/>
             <a:ext cx="9067307" cy="4895932"/>
           </a:xfrm>
           <a:prstGeom prst="rect">
@@ -5208,7 +5330,7 @@
           <p:nvPr/>
         </p:nvPicPr>
         <p:blipFill>
-          <a:blip r:embed="rId8">
+          <a:blip r:embed="rId7">
             <a:extLst>
               <a:ext uri="{28A0092B-C50C-407E-A947-70E740481C1C}">
                 <a14:useLocalDpi xmlns:a14="http://schemas.microsoft.com/office/drawing/2010/main" val="0"/>
@@ -5231,36 +5353,6 @@
       </p:pic>
       <p:pic>
         <p:nvPicPr>
-          <p:cNvPr id="12" name="Picture 11">
-            <a:extLst>
-              <a:ext uri="{FF2B5EF4-FFF2-40B4-BE49-F238E27FC236}">
-                <a16:creationId xmlns:a16="http://schemas.microsoft.com/office/drawing/2014/main" id="{2C963610-9CA2-6B42-B5B6-A2055DE844F0}"/>
-              </a:ext>
-            </a:extLst>
-          </p:cNvPr>
-          <p:cNvPicPr>
-            <a:picLocks noChangeAspect="1"/>
-          </p:cNvPicPr>
-          <p:nvPr/>
-        </p:nvPicPr>
-        <p:blipFill>
-          <a:blip r:embed="rId9"/>
-          <a:stretch>
-            <a:fillRect/>
-          </a:stretch>
-        </p:blipFill>
-        <p:spPr>
-          <a:xfrm>
-            <a:off x="1833525" y="24120987"/>
-            <a:ext cx="9344866" cy="2398761"/>
-          </a:xfrm>
-          <a:prstGeom prst="rect">
-            <a:avLst/>
-          </a:prstGeom>
-        </p:spPr>
-      </p:pic>
-      <p:pic>
-        <p:nvPicPr>
           <p:cNvPr id="14" name="Picture 13">
             <a:extLst>
               <a:ext uri="{FF2B5EF4-FFF2-40B4-BE49-F238E27FC236}">
@@ -5274,7 +5366,7 @@
           <p:nvPr/>
         </p:nvPicPr>
         <p:blipFill>
-          <a:blip r:embed="rId10">
+          <a:blip r:embed="rId8">
             <a:extLst>
               <a:ext uri="{28A0092B-C50C-407E-A947-70E740481C1C}">
                 <a14:useLocalDpi xmlns:a14="http://schemas.microsoft.com/office/drawing/2010/main" val="0"/>
@@ -5297,36 +5389,6 @@
       </p:pic>
       <p:pic>
         <p:nvPicPr>
-          <p:cNvPr id="15" name="Picture 14">
-            <a:extLst>
-              <a:ext uri="{FF2B5EF4-FFF2-40B4-BE49-F238E27FC236}">
-                <a16:creationId xmlns:a16="http://schemas.microsoft.com/office/drawing/2014/main" id="{ED158F1E-1B32-5F40-B8FE-0E5F45393A8A}"/>
-              </a:ext>
-            </a:extLst>
-          </p:cNvPr>
-          <p:cNvPicPr>
-            <a:picLocks noChangeAspect="1"/>
-          </p:cNvPicPr>
-          <p:nvPr/>
-        </p:nvPicPr>
-        <p:blipFill>
-          <a:blip r:embed="rId11"/>
-          <a:stretch>
-            <a:fillRect/>
-          </a:stretch>
-        </p:blipFill>
-        <p:spPr>
-          <a:xfrm>
-            <a:off x="12698637" y="7537116"/>
-            <a:ext cx="14223018" cy="4623906"/>
-          </a:xfrm>
-          <a:prstGeom prst="rect">
-            <a:avLst/>
-          </a:prstGeom>
-        </p:spPr>
-      </p:pic>
-      <p:pic>
-        <p:nvPicPr>
           <p:cNvPr id="20" name="Picture 19">
             <a:extLst>
               <a:ext uri="{FF2B5EF4-FFF2-40B4-BE49-F238E27FC236}">
@@ -5340,7 +5402,7 @@
           <p:nvPr/>
         </p:nvPicPr>
         <p:blipFill>
-          <a:blip r:embed="rId12">
+          <a:blip r:embed="rId9">
             <a:extLst>
               <a:ext uri="{28A0092B-C50C-407E-A947-70E740481C1C}">
                 <a14:useLocalDpi xmlns:a14="http://schemas.microsoft.com/office/drawing/2010/main" val="0"/>
@@ -5375,7 +5437,7 @@
         </p:nvSpPr>
         <p:spPr>
           <a:xfrm>
-            <a:off x="18529543" y="21403028"/>
+            <a:off x="18492957" y="22431572"/>
             <a:ext cx="2757177" cy="769441"/>
           </a:xfrm>
           <a:prstGeom prst="rect">
@@ -5418,7 +5480,7 @@
         </p:nvSpPr>
         <p:spPr>
           <a:xfrm rot="16200000">
-            <a:off x="13431209" y="17743070"/>
+            <a:off x="13433222" y="18750294"/>
             <a:ext cx="2151869" cy="769441"/>
           </a:xfrm>
           <a:prstGeom prst="rect">
@@ -5461,7 +5523,7 @@
         </p:nvSpPr>
         <p:spPr>
           <a:xfrm>
-            <a:off x="12852964" y="13067087"/>
+            <a:off x="12852964" y="14180283"/>
             <a:ext cx="14223018" cy="2185214"/>
           </a:xfrm>
           <a:prstGeom prst="rect">
@@ -5507,11 +5569,175 @@
               <a:rPr lang="en-US" altLang="en-US" sz="4400" dirty="0">
                 <a:latin typeface="Franklin Gothic Book" panose="020B0503020102020204" pitchFamily="34" charset="0"/>
               </a:rPr>
-              <a:t>A cross-language study showed that these categories may be overlapping [6].</a:t>
-            </a:r>
-          </a:p>
-        </p:txBody>
-      </p:sp>
+              <a:t>A cross-language study showed that these categories may be overlapping [4].</a:t>
+            </a:r>
+          </a:p>
+        </p:txBody>
+      </p:sp>
+      <p:pic>
+        <p:nvPicPr>
+          <p:cNvPr id="5" name="Picture 4">
+            <a:extLst>
+              <a:ext uri="{FF2B5EF4-FFF2-40B4-BE49-F238E27FC236}">
+                <a16:creationId xmlns:a16="http://schemas.microsoft.com/office/drawing/2014/main" id="{9DFF455E-27D4-B94A-95AE-45810E4CF2AF}"/>
+              </a:ext>
+            </a:extLst>
+          </p:cNvPr>
+          <p:cNvPicPr>
+            <a:picLocks noChangeAspect="1"/>
+          </p:cNvPicPr>
+          <p:nvPr/>
+        </p:nvPicPr>
+        <p:blipFill>
+          <a:blip r:embed="rId10"/>
+          <a:stretch>
+            <a:fillRect/>
+          </a:stretch>
+        </p:blipFill>
+        <p:spPr>
+          <a:xfrm>
+            <a:off x="1980609" y="24323508"/>
+            <a:ext cx="8862087" cy="2274835"/>
+          </a:xfrm>
+          <a:prstGeom prst="rect">
+            <a:avLst/>
+          </a:prstGeom>
+        </p:spPr>
+      </p:pic>
+      <p:pic>
+        <p:nvPicPr>
+          <p:cNvPr id="8" name="Picture 7">
+            <a:extLst>
+              <a:ext uri="{FF2B5EF4-FFF2-40B4-BE49-F238E27FC236}">
+                <a16:creationId xmlns:a16="http://schemas.microsoft.com/office/drawing/2014/main" id="{8B702E18-44FF-8143-834D-B3A59AF03F2F}"/>
+              </a:ext>
+            </a:extLst>
+          </p:cNvPr>
+          <p:cNvPicPr>
+            <a:picLocks noChangeAspect="1"/>
+          </p:cNvPicPr>
+          <p:nvPr/>
+        </p:nvPicPr>
+        <p:blipFill>
+          <a:blip r:embed="rId11"/>
+          <a:stretch>
+            <a:fillRect/>
+          </a:stretch>
+        </p:blipFill>
+        <p:spPr>
+          <a:xfrm>
+            <a:off x="12282380" y="26966171"/>
+            <a:ext cx="7113763" cy="5420010"/>
+          </a:xfrm>
+          <a:prstGeom prst="rect">
+            <a:avLst/>
+          </a:prstGeom>
+        </p:spPr>
+      </p:pic>
+      <p:sp>
+        <p:nvSpPr>
+          <p:cNvPr id="10" name="TextBox 9">
+            <a:extLst>
+              <a:ext uri="{FF2B5EF4-FFF2-40B4-BE49-F238E27FC236}">
+                <a16:creationId xmlns:a16="http://schemas.microsoft.com/office/drawing/2014/main" id="{5E1D2BC6-9535-CA4C-BB36-18EF1FB9370C}"/>
+              </a:ext>
+            </a:extLst>
+          </p:cNvPr>
+          <p:cNvSpPr txBox="1"/>
+          <p:nvPr/>
+        </p:nvSpPr>
+        <p:spPr>
+          <a:xfrm>
+            <a:off x="28252646" y="5152305"/>
+            <a:ext cx="5245988" cy="830997"/>
+          </a:xfrm>
+          <a:prstGeom prst="rect">
+            <a:avLst/>
+          </a:prstGeom>
+          <a:noFill/>
+        </p:spPr>
+        <p:txBody>
+          <a:bodyPr wrap="none" rtlCol="0">
+            <a:spAutoFit/>
+          </a:bodyPr>
+          <a:lstStyle/>
+          <a:p>
+            <a:r>
+              <a:rPr lang="en-US" sz="4800" dirty="0">
+                <a:solidFill>
+                  <a:srgbClr val="7030A0"/>
+                </a:solidFill>
+                <a:latin typeface="Franklin Gothic Medium" panose="020B0603020102020204" pitchFamily="34" charset="0"/>
+              </a:rPr>
+              <a:t>Preliminary Testing</a:t>
+            </a:r>
+          </a:p>
+        </p:txBody>
+      </p:sp>
+      <p:sp>
+        <p:nvSpPr>
+          <p:cNvPr id="13" name="TextBox 12">
+            <a:extLst>
+              <a:ext uri="{FF2B5EF4-FFF2-40B4-BE49-F238E27FC236}">
+                <a16:creationId xmlns:a16="http://schemas.microsoft.com/office/drawing/2014/main" id="{1323D6E6-FAF1-CB4B-8034-8E33E6D1340C}"/>
+              </a:ext>
+            </a:extLst>
+          </p:cNvPr>
+          <p:cNvSpPr txBox="1"/>
+          <p:nvPr/>
+        </p:nvSpPr>
+        <p:spPr>
+          <a:xfrm>
+            <a:off x="28252646" y="5985552"/>
+            <a:ext cx="14048465" cy="769441"/>
+          </a:xfrm>
+          <a:prstGeom prst="rect">
+            <a:avLst/>
+          </a:prstGeom>
+          <a:noFill/>
+        </p:spPr>
+        <p:txBody>
+          <a:bodyPr wrap="square" rtlCol="0">
+            <a:spAutoFit/>
+          </a:bodyPr>
+          <a:lstStyle/>
+          <a:p>
+            <a:endParaRPr lang="en-US" sz="4400" dirty="0">
+              <a:latin typeface="Franklin Gothic Book" panose="020B0503020102020204" pitchFamily="34" charset="0"/>
+            </a:endParaRPr>
+          </a:p>
+        </p:txBody>
+      </p:sp>
+      <p:pic>
+        <p:nvPicPr>
+          <p:cNvPr id="16" name="Picture 15">
+            <a:extLst>
+              <a:ext uri="{FF2B5EF4-FFF2-40B4-BE49-F238E27FC236}">
+                <a16:creationId xmlns:a16="http://schemas.microsoft.com/office/drawing/2014/main" id="{424D79B1-4FE2-0A48-AC84-9FADBF10D5DA}"/>
+              </a:ext>
+            </a:extLst>
+          </p:cNvPr>
+          <p:cNvPicPr>
+            <a:picLocks noChangeAspect="1"/>
+          </p:cNvPicPr>
+          <p:nvPr/>
+        </p:nvPicPr>
+        <p:blipFill>
+          <a:blip r:embed="rId12"/>
+          <a:stretch>
+            <a:fillRect/>
+          </a:stretch>
+        </p:blipFill>
+        <p:spPr>
+          <a:xfrm>
+            <a:off x="12993708" y="7688722"/>
+            <a:ext cx="13737104" cy="6455899"/>
+          </a:xfrm>
+          <a:prstGeom prst="rect">
+            <a:avLst/>
+          </a:prstGeom>
+        </p:spPr>
+      </p:pic>
     </p:spTree>
     <p:extLst>
       <p:ext uri="{BB962C8B-B14F-4D97-AF65-F5344CB8AC3E}">
